--- a/VideoSessionsMaterials/creating-read-requests.pptx
+++ b/VideoSessionsMaterials/creating-read-requests.pptx
@@ -5,16 +5,17 @@
     <p:sldMasterId id="2147483648" r:id="rId1"/>
   </p:sldMasterIdLst>
   <p:notesMasterIdLst>
-    <p:notesMasterId r:id="rId9"/>
+    <p:notesMasterId r:id="rId10"/>
   </p:notesMasterIdLst>
   <p:sldIdLst>
     <p:sldId id="364" r:id="rId2"/>
-    <p:sldId id="326" r:id="rId3"/>
-    <p:sldId id="367" r:id="rId4"/>
-    <p:sldId id="368" r:id="rId5"/>
-    <p:sldId id="369" r:id="rId6"/>
-    <p:sldId id="366" r:id="rId7"/>
-    <p:sldId id="322" r:id="rId8"/>
+    <p:sldId id="370" r:id="rId3"/>
+    <p:sldId id="326" r:id="rId4"/>
+    <p:sldId id="367" r:id="rId5"/>
+    <p:sldId id="368" r:id="rId6"/>
+    <p:sldId id="369" r:id="rId7"/>
+    <p:sldId id="366" r:id="rId8"/>
+    <p:sldId id="322" r:id="rId9"/>
   </p:sldIdLst>
   <p:sldSz cx="17327563" cy="9747250"/>
   <p:notesSz cx="6858000" cy="9144000"/>
@@ -229,7 +230,7 @@
             <a:fld id="{DDC063FE-8627-9A42-970F-0BBEEB02B587}" type="datetimeFigureOut">
               <a:rPr lang="en-US" smtClean="0"/>
               <a:pPr/>
-              <a:t>12/4/13</a:t>
+              <a:t>12/5/13</a:t>
             </a:fld>
             <a:endParaRPr lang="en-US" dirty="0"/>
           </a:p>
@@ -602,65 +603,140 @@
       </p:grpSpPr>
       <p:sp>
         <p:nvSpPr>
-          <p:cNvPr id="2" name="Slide Image Placeholder 1"/>
-          <p:cNvSpPr>
-            <a:spLocks noGrp="1" noRot="1" noChangeAspect="1"/>
+          <p:cNvPr id="35841" name="Rectangle 2"/>
+          <p:cNvSpPr>
+            <a:spLocks noGrp="1" noRot="1" noChangeAspect="1" noChangeArrowheads="1" noTextEdit="1"/>
           </p:cNvSpPr>
           <p:nvPr>
             <p:ph type="sldImg"/>
           </p:nvPr>
         </p:nvSpPr>
-        <p:spPr/>
-      </p:sp>
-      <p:sp>
-        <p:nvSpPr>
-          <p:cNvPr id="3" name="Notes Placeholder 2"/>
-          <p:cNvSpPr>
-            <a:spLocks noGrp="1"/>
+        <p:spPr bwMode="auto">
+          <a:noFill/>
+          <a:ln>
+            <a:solidFill>
+              <a:srgbClr val="000000"/>
+            </a:solidFill>
+            <a:miter lim="800000"/>
+            <a:headEnd/>
+            <a:tailEnd/>
+          </a:ln>
+          <a:extLst>
+            <a:ext uri="{909E8E84-426E-40dd-AFC4-6F175D3DCCD1}">
+              <a14:hiddenFill xmlns:a14="http://schemas.microsoft.com/office/drawing/2010/main">
+                <a:solidFill>
+                  <a:srgbClr val="FFFFFF"/>
+                </a:solidFill>
+              </a14:hiddenFill>
+            </a:ext>
+            <a:ext uri="{FAA26D3D-D897-4be2-8F04-BA451C77F1D7}">
+              <ma14:placeholderFlag xmlns:ma14="http://schemas.microsoft.com/office/mac/drawingml/2011/main" val="1"/>
+            </a:ext>
+          </a:extLst>
+        </p:spPr>
+      </p:sp>
+      <p:sp>
+        <p:nvSpPr>
+          <p:cNvPr id="35842" name="Rectangle 3"/>
+          <p:cNvSpPr>
+            <a:spLocks noGrp="1" noChangeArrowheads="1"/>
           </p:cNvSpPr>
           <p:nvPr>
             <p:ph type="body" idx="1"/>
           </p:nvPr>
         </p:nvSpPr>
-        <p:spPr/>
-        <p:txBody>
-          <a:bodyPr/>
+        <p:spPr bwMode="auto">
+          <a:noFill/>
+          <a:extLst>
+            <a:ext uri="{909E8E84-426E-40dd-AFC4-6F175D3DCCD1}">
+              <a14:hiddenFill xmlns:a14="http://schemas.microsoft.com/office/drawing/2010/main">
+                <a:solidFill>
+                  <a:srgbClr val="FFFFFF"/>
+                </a:solidFill>
+              </a14:hiddenFill>
+            </a:ext>
+            <a:ext uri="{91240B29-F687-4f45-9708-019B960494DF}">
+              <a14:hiddenLine xmlns:a14="http://schemas.microsoft.com/office/drawing/2010/main" w="9525">
+                <a:solidFill>
+                  <a:srgbClr val="000000"/>
+                </a:solidFill>
+                <a:miter lim="800000"/>
+                <a:headEnd/>
+                <a:tailEnd/>
+              </a14:hiddenLine>
+            </a:ext>
+          </a:extLst>
+        </p:spPr>
+        <p:txBody>
+          <a:bodyPr wrap="square" numCol="1" anchor="t" anchorCtr="0" compatLnSpc="1">
+            <a:prstTxWarp prst="textNoShape">
+              <a:avLst/>
+            </a:prstTxWarp>
+          </a:bodyPr>
           <a:lstStyle/>
           <a:p>
-            <a:endParaRPr lang="en-US"/>
-          </a:p>
-        </p:txBody>
-      </p:sp>
-      <p:sp>
-        <p:nvSpPr>
-          <p:cNvPr id="4" name="Slide Number Placeholder 3"/>
-          <p:cNvSpPr>
-            <a:spLocks noGrp="1"/>
-          </p:cNvSpPr>
-          <p:nvPr>
-            <p:ph type="sldNum" sz="quarter" idx="10"/>
-          </p:nvPr>
-        </p:nvSpPr>
-        <p:spPr/>
-        <p:txBody>
-          <a:bodyPr/>
-          <a:lstStyle/>
-          <a:p>
-            <a:fld id="{3560C2FB-C494-1A46-A471-884A4E75440F}" type="slidenum">
-              <a:rPr lang="en-US" smtClean="0"/>
-              <a:pPr/>
-              <a:t>2</a:t>
-            </a:fld>
-            <a:endParaRPr lang="en-US" dirty="0"/>
+            <a:pPr>
+              <a:buFontTx/>
+              <a:buChar char="•"/>
+            </a:pPr>
+            <a:r>
+              <a:rPr lang="en-US">
+                <a:latin typeface="Calibri" charset="0"/>
+              </a:rPr>
+              <a:t>base URL</a:t>
+            </a:r>
+          </a:p>
+          <a:p>
+            <a:pPr>
+              <a:buFontTx/>
+              <a:buChar char="•"/>
+            </a:pPr>
+            <a:r>
+              <a:rPr lang="en-US">
+                <a:latin typeface="Calibri" charset="0"/>
+              </a:rPr>
+              <a:t>token</a:t>
+            </a:r>
+          </a:p>
+          <a:p>
+            <a:pPr>
+              <a:buFontTx/>
+              <a:buChar char="•"/>
+            </a:pPr>
+            <a:r>
+              <a:rPr lang="en-US">
+                <a:latin typeface="Calibri" charset="0"/>
+              </a:rPr>
+              <a:t>command</a:t>
+            </a:r>
+          </a:p>
+          <a:p>
+            <a:pPr>
+              <a:buFontTx/>
+              <a:buChar char="•"/>
+            </a:pPr>
+            <a:r>
+              <a:rPr lang="en-US">
+                <a:latin typeface="Calibri" charset="0"/>
+              </a:rPr>
+              <a:t>additional params</a:t>
+            </a:r>
+          </a:p>
+          <a:p>
+            <a:pPr>
+              <a:buFontTx/>
+              <a:buChar char="•"/>
+            </a:pPr>
+            <a:r>
+              <a:rPr lang="en-US">
+                <a:latin typeface="Calibri" charset="0"/>
+              </a:rPr>
+              <a:t>all together now</a:t>
+            </a:r>
           </a:p>
         </p:txBody>
       </p:sp>
     </p:spTree>
-    <p:extLst>
-      <p:ext uri="{BB962C8B-B14F-4D97-AF65-F5344CB8AC3E}">
-        <p14:creationId xmlns:p14="http://schemas.microsoft.com/office/powerpoint/2010/main" val="963676054"/>
-      </p:ext>
-    </p:extLst>
   </p:cSld>
   <p:clrMapOvr>
     <a:masterClrMapping/>
@@ -942,91 +1018,65 @@
       </p:grpSpPr>
       <p:sp>
         <p:nvSpPr>
-          <p:cNvPr id="304129" name="Rectangle 7"/>
-          <p:cNvSpPr txBox="1">
-            <a:spLocks noGrp="1" noChangeArrowheads="1"/>
-          </p:cNvSpPr>
-          <p:nvPr/>
-        </p:nvSpPr>
-        <p:spPr bwMode="auto">
-          <a:xfrm>
-            <a:off x="3886200" y="8686489"/>
-            <a:ext cx="2971800" cy="457512"/>
-          </a:xfrm>
-          <a:prstGeom prst="rect">
-            <a:avLst/>
-          </a:prstGeom>
-          <a:noFill/>
-          <a:ln>
-            <a:miter lim="800000"/>
-            <a:headEnd/>
-            <a:tailEnd/>
-          </a:ln>
-        </p:spPr>
-        <p:txBody>
-          <a:bodyPr anchor="b"/>
+          <p:cNvPr id="2" name="Slide Image Placeholder 1"/>
+          <p:cNvSpPr>
+            <a:spLocks noGrp="1" noRot="1" noChangeAspect="1"/>
+          </p:cNvSpPr>
+          <p:nvPr>
+            <p:ph type="sldImg"/>
+          </p:nvPr>
+        </p:nvSpPr>
+        <p:spPr/>
+      </p:sp>
+      <p:sp>
+        <p:nvSpPr>
+          <p:cNvPr id="3" name="Notes Placeholder 2"/>
+          <p:cNvSpPr>
+            <a:spLocks noGrp="1"/>
+          </p:cNvSpPr>
+          <p:nvPr>
+            <p:ph type="body" idx="1"/>
+          </p:nvPr>
+        </p:nvSpPr>
+        <p:spPr/>
+        <p:txBody>
+          <a:bodyPr/>
           <a:lstStyle/>
           <a:p>
-            <a:pPr algn="r" eaLnBrk="0" hangingPunct="0">
-              <a:defRPr/>
-            </a:pPr>
-            <a:fld id="{5639B2D1-4F62-47BF-B141-83C0868A9AB5}" type="slidenum">
-              <a:rPr lang="en-US" sz="1200">
-                <a:ea typeface="ＭＳ Ｐゴシック" pitchFamily="34" charset="-128"/>
-                <a:cs typeface="+mn-cs"/>
-              </a:rPr>
-              <a:pPr algn="r" eaLnBrk="0" hangingPunct="0">
-                <a:defRPr/>
-              </a:pPr>
+            <a:endParaRPr lang="en-US"/>
+          </a:p>
+        </p:txBody>
+      </p:sp>
+      <p:sp>
+        <p:nvSpPr>
+          <p:cNvPr id="4" name="Slide Number Placeholder 3"/>
+          <p:cNvSpPr>
+            <a:spLocks noGrp="1"/>
+          </p:cNvSpPr>
+          <p:nvPr>
+            <p:ph type="sldNum" sz="quarter" idx="10"/>
+          </p:nvPr>
+        </p:nvSpPr>
+        <p:spPr/>
+        <p:txBody>
+          <a:bodyPr/>
+          <a:lstStyle/>
+          <a:p>
+            <a:fld id="{3560C2FB-C494-1A46-A471-884A4E75440F}" type="slidenum">
+              <a:rPr lang="en-US" smtClean="0"/>
+              <a:pPr/>
               <a:t>6</a:t>
             </a:fld>
-            <a:endParaRPr lang="en-US" sz="1200" dirty="0">
-              <a:ea typeface="ＭＳ Ｐゴシック" pitchFamily="34" charset="-128"/>
-              <a:cs typeface="+mn-cs"/>
-            </a:endParaRPr>
-          </a:p>
-        </p:txBody>
-      </p:sp>
-      <p:sp>
-        <p:nvSpPr>
-          <p:cNvPr id="97282" name="Rectangle 2"/>
-          <p:cNvSpPr>
-            <a:spLocks noGrp="1" noRot="1" noChangeAspect="1" noChangeArrowheads="1" noTextEdit="1"/>
-          </p:cNvSpPr>
-          <p:nvPr>
-            <p:ph type="sldImg"/>
-          </p:nvPr>
-        </p:nvSpPr>
-        <p:spPr>
-          <a:ln/>
-        </p:spPr>
-      </p:sp>
-      <p:sp>
-        <p:nvSpPr>
-          <p:cNvPr id="97283" name="Rectangle 3"/>
-          <p:cNvSpPr>
-            <a:spLocks noGrp="1" noChangeArrowheads="1"/>
-          </p:cNvSpPr>
-          <p:nvPr>
-            <p:ph type="body" idx="1"/>
-          </p:nvPr>
-        </p:nvSpPr>
-        <p:spPr>
-          <a:noFill/>
-          <a:ln/>
-        </p:spPr>
-        <p:txBody>
-          <a:bodyPr/>
-          <a:lstStyle/>
-          <a:p>
-            <a:pPr eaLnBrk="1" hangingPunct="1"/>
-            <a:endParaRPr lang="en-US" dirty="0" smtClean="0">
-              <a:ea typeface="ＭＳ Ｐゴシック"/>
-            </a:endParaRPr>
+            <a:endParaRPr lang="en-US" dirty="0"/>
           </a:p>
         </p:txBody>
       </p:sp>
     </p:spTree>
+    <p:extLst>
+      <p:ext uri="{BB962C8B-B14F-4D97-AF65-F5344CB8AC3E}">
+        <p14:creationId xmlns:p14="http://schemas.microsoft.com/office/powerpoint/2010/main" val="963676054"/>
+      </p:ext>
+    </p:extLst>
   </p:cSld>
   <p:clrMapOvr>
     <a:masterClrMapping/>
@@ -1053,43 +1103,135 @@
       </p:grpSpPr>
       <p:sp>
         <p:nvSpPr>
-          <p:cNvPr id="2" name="Slide Image Placeholder 1"/>
-          <p:cNvSpPr>
-            <a:spLocks noGrp="1" noRot="1" noChangeAspect="1"/>
+          <p:cNvPr id="304129" name="Rectangle 7"/>
+          <p:cNvSpPr txBox="1">
+            <a:spLocks noGrp="1" noChangeArrowheads="1"/>
+          </p:cNvSpPr>
+          <p:nvPr/>
+        </p:nvSpPr>
+        <p:spPr bwMode="auto">
+          <a:xfrm>
+            <a:off x="3886200" y="8686489"/>
+            <a:ext cx="2971800" cy="457512"/>
+          </a:xfrm>
+          <a:prstGeom prst="rect">
+            <a:avLst/>
+          </a:prstGeom>
+          <a:noFill/>
+          <a:ln>
+            <a:miter lim="800000"/>
+            <a:headEnd/>
+            <a:tailEnd/>
+          </a:ln>
+        </p:spPr>
+        <p:txBody>
+          <a:bodyPr anchor="b"/>
+          <a:lstStyle/>
+          <a:p>
+            <a:pPr algn="r" eaLnBrk="0" hangingPunct="0">
+              <a:defRPr/>
+            </a:pPr>
+            <a:fld id="{5639B2D1-4F62-47BF-B141-83C0868A9AB5}" type="slidenum">
+              <a:rPr lang="en-US" sz="1200">
+                <a:ea typeface="ＭＳ Ｐゴシック" pitchFamily="34" charset="-128"/>
+                <a:cs typeface="+mn-cs"/>
+              </a:rPr>
+              <a:pPr algn="r" eaLnBrk="0" hangingPunct="0">
+                <a:defRPr/>
+              </a:pPr>
+              <a:t>7</a:t>
+            </a:fld>
+            <a:endParaRPr lang="en-US" sz="1200" dirty="0">
+              <a:ea typeface="ＭＳ Ｐゴシック" pitchFamily="34" charset="-128"/>
+              <a:cs typeface="+mn-cs"/>
+            </a:endParaRPr>
+          </a:p>
+        </p:txBody>
+      </p:sp>
+      <p:sp>
+        <p:nvSpPr>
+          <p:cNvPr id="97282" name="Rectangle 2"/>
+          <p:cNvSpPr>
+            <a:spLocks noGrp="1" noRot="1" noChangeAspect="1" noChangeArrowheads="1" noTextEdit="1"/>
           </p:cNvSpPr>
           <p:nvPr>
             <p:ph type="sldImg"/>
           </p:nvPr>
         </p:nvSpPr>
-        <p:spPr/>
-      </p:sp>
-      <p:sp>
-        <p:nvSpPr>
-          <p:cNvPr id="3" name="Notes Placeholder 2"/>
-          <p:cNvSpPr>
-            <a:spLocks noGrp="1"/>
+        <p:spPr>
+          <a:ln/>
+        </p:spPr>
+      </p:sp>
+      <p:sp>
+        <p:nvSpPr>
+          <p:cNvPr id="97283" name="Rectangle 3"/>
+          <p:cNvSpPr>
+            <a:spLocks noGrp="1" noChangeArrowheads="1"/>
           </p:cNvSpPr>
           <p:nvPr>
             <p:ph type="body" idx="1"/>
           </p:nvPr>
         </p:nvSpPr>
-        <p:spPr/>
+        <p:spPr>
+          <a:noFill/>
+          <a:ln/>
+        </p:spPr>
         <p:txBody>
           <a:bodyPr/>
           <a:lstStyle/>
           <a:p>
-            <a:endParaRPr lang="en-US"/>
-          </a:p>
-        </p:txBody>
-      </p:sp>
-      <p:sp>
-        <p:nvSpPr>
-          <p:cNvPr id="4" name="Slide Number Placeholder 3"/>
-          <p:cNvSpPr>
-            <a:spLocks noGrp="1"/>
-          </p:cNvSpPr>
-          <p:nvPr>
-            <p:ph type="sldNum" sz="quarter" idx="10"/>
+            <a:pPr eaLnBrk="1" hangingPunct="1"/>
+            <a:endParaRPr lang="en-US" dirty="0" smtClean="0">
+              <a:ea typeface="ＭＳ Ｐゴシック"/>
+            </a:endParaRPr>
+          </a:p>
+        </p:txBody>
+      </p:sp>
+    </p:spTree>
+  </p:cSld>
+  <p:clrMapOvr>
+    <a:masterClrMapping/>
+  </p:clrMapOvr>
+</p:notes>
+</file>
+
+<file path=ppt/notesSlides/notesSlide8.xml><?xml version="1.0" encoding="utf-8"?>
+<p:notes xmlns:a="http://schemas.openxmlformats.org/drawingml/2006/main" xmlns:r="http://schemas.openxmlformats.org/officeDocument/2006/relationships" xmlns:p="http://schemas.openxmlformats.org/presentationml/2006/main">
+  <p:cSld>
+    <p:spTree>
+      <p:nvGrpSpPr>
+        <p:cNvPr id="1" name=""/>
+        <p:cNvGrpSpPr/>
+        <p:nvPr/>
+      </p:nvGrpSpPr>
+      <p:grpSpPr>
+        <a:xfrm>
+          <a:off x="0" y="0"/>
+          <a:ext cx="0" cy="0"/>
+          <a:chOff x="0" y="0"/>
+          <a:chExt cx="0" cy="0"/>
+        </a:xfrm>
+      </p:grpSpPr>
+      <p:sp>
+        <p:nvSpPr>
+          <p:cNvPr id="2" name="Slide Image Placeholder 1"/>
+          <p:cNvSpPr>
+            <a:spLocks noGrp="1" noRot="1" noChangeAspect="1"/>
+          </p:cNvSpPr>
+          <p:nvPr>
+            <p:ph type="sldImg"/>
+          </p:nvPr>
+        </p:nvSpPr>
+        <p:spPr/>
+      </p:sp>
+      <p:sp>
+        <p:nvSpPr>
+          <p:cNvPr id="3" name="Notes Placeholder 2"/>
+          <p:cNvSpPr>
+            <a:spLocks noGrp="1"/>
+          </p:cNvSpPr>
+          <p:nvPr>
+            <p:ph type="body" idx="1"/>
           </p:nvPr>
         </p:nvSpPr>
         <p:spPr/>
@@ -1097,10 +1239,29 @@
           <a:bodyPr/>
           <a:lstStyle/>
           <a:p>
+            <a:endParaRPr lang="en-US"/>
+          </a:p>
+        </p:txBody>
+      </p:sp>
+      <p:sp>
+        <p:nvSpPr>
+          <p:cNvPr id="4" name="Slide Number Placeholder 3"/>
+          <p:cNvSpPr>
+            <a:spLocks noGrp="1"/>
+          </p:cNvSpPr>
+          <p:nvPr>
+            <p:ph type="sldNum" sz="quarter" idx="10"/>
+          </p:nvPr>
+        </p:nvSpPr>
+        <p:spPr/>
+        <p:txBody>
+          <a:bodyPr/>
+          <a:lstStyle/>
+          <a:p>
             <a:fld id="{3560C2FB-C494-1A46-A471-884A4E75440F}" type="slidenum">
               <a:rPr lang="en-US" smtClean="0"/>
               <a:pPr/>
-              <a:t>7</a:t>
+              <a:t>8</a:t>
             </a:fld>
             <a:endParaRPr lang="en-US" dirty="0"/>
           </a:p>
@@ -5372,11 +5533,7 @@
             <a:pPr lvl="0"/>
             <a:r>
               <a:rPr lang="en-US" sz="6600" dirty="0" smtClean="0"/>
-              <a:t>Creating </a:t>
-            </a:r>
-            <a:r>
-              <a:rPr lang="en-US" sz="6600" dirty="0" smtClean="0"/>
-              <a:t>Read Requests</a:t>
+              <a:t>Creating Read Requests</a:t>
             </a:r>
             <a:endParaRPr lang="en-US" sz="6600" dirty="0"/>
           </a:p>
@@ -5461,58 +5618,165 @@
       </p:grpSpPr>
       <p:sp>
         <p:nvSpPr>
-          <p:cNvPr id="3" name="Title 2"/>
-          <p:cNvSpPr>
-            <a:spLocks noGrp="1"/>
+          <p:cNvPr id="34817" name="Rectangle 2"/>
+          <p:cNvSpPr>
+            <a:spLocks noGrp="1" noChangeArrowheads="1"/>
           </p:cNvSpPr>
           <p:nvPr>
             <p:ph type="title"/>
           </p:nvPr>
         </p:nvSpPr>
-        <p:spPr/>
+        <p:spPr>
+          <a:xfrm>
+            <a:off x="541338" y="300038"/>
+            <a:ext cx="14724062" cy="1449387"/>
+          </a:xfrm>
+        </p:spPr>
         <p:txBody>
           <a:bodyPr/>
           <a:lstStyle/>
           <a:p>
             <a:r>
-              <a:rPr lang="en-US" dirty="0" smtClean="0"/>
-              <a:t>Title</a:t>
-            </a:r>
-            <a:endParaRPr lang="en-US" dirty="0"/>
-          </a:p>
-        </p:txBody>
-      </p:sp>
-      <p:sp>
-        <p:nvSpPr>
-          <p:cNvPr id="4" name="Content Placeholder 3"/>
-          <p:cNvSpPr>
-            <a:spLocks noGrp="1"/>
+              <a:rPr lang="en-US">
+                <a:latin typeface="Arial" charset="0"/>
+                <a:ea typeface="ＭＳ Ｐゴシック" charset="0"/>
+              </a:rPr>
+              <a:t>Constructing a Read API Request</a:t>
+            </a:r>
+          </a:p>
+        </p:txBody>
+      </p:sp>
+      <p:sp>
+        <p:nvSpPr>
+          <p:cNvPr id="34818" name="Rectangle 3"/>
+          <p:cNvSpPr>
+            <a:spLocks noGrp="1" noChangeArrowheads="1"/>
           </p:cNvSpPr>
           <p:nvPr>
             <p:ph idx="1"/>
           </p:nvPr>
         </p:nvSpPr>
-        <p:spPr/>
-        <p:txBody>
-          <a:bodyPr>
-            <a:normAutofit/>
-          </a:bodyPr>
+        <p:spPr>
+          <a:xfrm>
+            <a:off x="541338" y="1911350"/>
+            <a:ext cx="15878175" cy="6202363"/>
+          </a:xfrm>
+        </p:spPr>
+        <p:txBody>
+          <a:bodyPr/>
           <a:lstStyle/>
           <a:p>
             <a:r>
-              <a:rPr lang="en-US" sz="3200" dirty="0" smtClean="0"/>
-              <a:t>Content</a:t>
-            </a:r>
-          </a:p>
-          <a:p>
-            <a:endParaRPr lang="en-US" sz="3200" dirty="0"/>
+              <a:rPr lang="en-US" sz="3000">
+                <a:latin typeface="Arial" charset="0"/>
+                <a:ea typeface="ＭＳ Ｐゴシック" charset="0"/>
+              </a:rPr>
+              <a:t>http://api.brightcove.com/services/library?</a:t>
+            </a:r>
+          </a:p>
+          <a:p>
+            <a:r>
+              <a:rPr lang="en-US" sz="3000">
+                <a:latin typeface="Arial" charset="0"/>
+                <a:ea typeface="ＭＳ Ｐゴシック" charset="0"/>
+              </a:rPr>
+              <a:t>token=…</a:t>
+            </a:r>
+          </a:p>
+          <a:p>
+            <a:r>
+              <a:rPr lang="en-US" sz="3000">
+                <a:latin typeface="Arial" charset="0"/>
+                <a:ea typeface="ＭＳ Ｐゴシック" charset="0"/>
+              </a:rPr>
+              <a:t>&amp;command=search_videos</a:t>
+            </a:r>
+          </a:p>
+          <a:p>
+            <a:r>
+              <a:rPr lang="en-US" sz="3000">
+                <a:latin typeface="Arial" charset="0"/>
+                <a:ea typeface="ＭＳ Ｐゴシック" charset="0"/>
+              </a:rPr>
+              <a:t>&amp;all=sea&amp;any=tags:fish&amp;any=bird&amp;none=videotopic:mammal</a:t>
+            </a:r>
+          </a:p>
+          <a:p>
+            <a:pPr lvl="1"/>
+            <a:r>
+              <a:rPr lang="en-US" sz="3000">
+                <a:latin typeface="Arial" charset="0"/>
+                <a:ea typeface="ＭＳ Ｐゴシック" charset="0"/>
+              </a:rPr>
+              <a:t>Note: if you don</a:t>
+            </a:r>
+            <a:r>
+              <a:rPr lang="ja-JP" altLang="en-US" sz="3000">
+                <a:latin typeface="Arial" charset="0"/>
+                <a:ea typeface="ＭＳ Ｐゴシック" charset="0"/>
+              </a:rPr>
+              <a:t>’</a:t>
+            </a:r>
+            <a:r>
+              <a:rPr lang="en-US" altLang="ja-JP" sz="3000">
+                <a:latin typeface="Arial" charset="0"/>
+                <a:ea typeface="ＭＳ Ｐゴシック" charset="0"/>
+              </a:rPr>
+              <a:t>t use tags:term or customfieldname:term, the </a:t>
+            </a:r>
+            <a:r>
+              <a:rPr lang="en-US" altLang="ja-JP" sz="3000" b="1">
+                <a:latin typeface="Arial" charset="0"/>
+                <a:ea typeface="ＭＳ Ｐゴシック" charset="0"/>
+              </a:rPr>
+              <a:t>name and short description </a:t>
+            </a:r>
+            <a:r>
+              <a:rPr lang="en-US" altLang="ja-JP" sz="3000">
+                <a:latin typeface="Arial" charset="0"/>
+                <a:ea typeface="ＭＳ Ｐゴシック" charset="0"/>
+              </a:rPr>
+              <a:t>will be searched</a:t>
+            </a:r>
+          </a:p>
+          <a:p>
+            <a:r>
+              <a:rPr lang="en-US" sz="3000">
+                <a:latin typeface="Arial" charset="0"/>
+                <a:ea typeface="ＭＳ Ｐゴシック" charset="0"/>
+              </a:rPr>
+              <a:t>&amp;video_fields=id,name,customFields&amp;page_size=3&amp;get_item_count=true</a:t>
+            </a:r>
+          </a:p>
+          <a:p>
+            <a:r>
+              <a:rPr lang="en-US" sz="3000">
+                <a:latin typeface="Arial" charset="0"/>
+                <a:ea typeface="ＭＳ Ｐゴシック" charset="0"/>
+                <a:hlinkClick r:id="rId3"/>
+              </a:rPr>
+              <a:t>http://api.brightcove.com/services/library?command=search_videos&amp;token=DNoR-SvA5yUqX2eE6KjgefOxRzQilw..&amp;callback=BCL.onSearchResponse&amp;any=wildlife</a:t>
+            </a:r>
+            <a:endParaRPr lang="en-US" sz="3000">
+              <a:latin typeface="Arial" charset="0"/>
+              <a:ea typeface="ＭＳ Ｐゴシック" charset="0"/>
+            </a:endParaRPr>
+          </a:p>
+          <a:p>
+            <a:r>
+              <a:rPr lang="en-US" sz="3000">
+                <a:latin typeface="Arial" charset="0"/>
+                <a:ea typeface="ＭＳ Ｐゴシック" charset="0"/>
+              </a:rPr>
+              <a:t>parameter order does not matter</a:t>
+            </a:r>
           </a:p>
         </p:txBody>
       </p:sp>
     </p:spTree>
     <p:extLst>
       <p:ext uri="{BB962C8B-B14F-4D97-AF65-F5344CB8AC3E}">
-        <p14:creationId xmlns:p14="http://schemas.microsoft.com/office/powerpoint/2010/main" val="1723545958"/>
+        <p14:creationId xmlns:p14="http://schemas.microsoft.com/office/powerpoint/2010/main" val="2496601739"/>
       </p:ext>
     </p:extLst>
   </p:cSld>
@@ -5587,9 +5851,10 @@
           <a:lstStyle/>
           <a:p>
             <a:r>
-              <a:rPr lang="en-US" sz="3200" dirty="0" smtClean="0"/>
-              <a:t>Content</a:t>
-            </a:r>
+              <a:rPr lang="en-US" sz="3200" smtClean="0"/>
+              <a:t>SEEMS LIKE MORE CONTENT COULD BE ADDED HERE</a:t>
+            </a:r>
+            <a:endParaRPr lang="en-US" sz="3200" dirty="0" smtClean="0"/>
           </a:p>
           <a:p>
             <a:endParaRPr lang="en-US" sz="3200" dirty="0"/>
@@ -5599,7 +5864,7 @@
     </p:spTree>
     <p:extLst>
       <p:ext uri="{BB962C8B-B14F-4D97-AF65-F5344CB8AC3E}">
-        <p14:creationId xmlns:p14="http://schemas.microsoft.com/office/powerpoint/2010/main" val="2108713422"/>
+        <p14:creationId xmlns:p14="http://schemas.microsoft.com/office/powerpoint/2010/main" val="1723545958"/>
       </p:ext>
     </p:extLst>
   </p:cSld>
@@ -5686,7 +5951,7 @@
     </p:spTree>
     <p:extLst>
       <p:ext uri="{BB962C8B-B14F-4D97-AF65-F5344CB8AC3E}">
-        <p14:creationId xmlns:p14="http://schemas.microsoft.com/office/powerpoint/2010/main" val="2805855639"/>
+        <p14:creationId xmlns:p14="http://schemas.microsoft.com/office/powerpoint/2010/main" val="2108713422"/>
       </p:ext>
     </p:extLst>
   </p:cSld>
@@ -5773,7 +6038,7 @@
     </p:spTree>
     <p:extLst>
       <p:ext uri="{BB962C8B-B14F-4D97-AF65-F5344CB8AC3E}">
-        <p14:creationId xmlns:p14="http://schemas.microsoft.com/office/powerpoint/2010/main" val="2514608167"/>
+        <p14:creationId xmlns:p14="http://schemas.microsoft.com/office/powerpoint/2010/main" val="2805855639"/>
       </p:ext>
     </p:extLst>
   </p:cSld>
@@ -5809,65 +6074,12 @@
       </p:grpSpPr>
       <p:sp>
         <p:nvSpPr>
-          <p:cNvPr id="303106" name="Slide Number Placeholder 3"/>
-          <p:cNvSpPr txBox="1">
-            <a:spLocks noGrp="1"/>
-          </p:cNvSpPr>
-          <p:nvPr/>
-        </p:nvSpPr>
-        <p:spPr bwMode="auto">
-          <a:xfrm>
-            <a:off x="315868" y="9189943"/>
-            <a:ext cx="866378" cy="541514"/>
-          </a:xfrm>
-          <a:prstGeom prst="rect">
-            <a:avLst/>
-          </a:prstGeom>
-          <a:noFill/>
-          <a:ln>
-            <a:miter lim="800000"/>
-            <a:headEnd/>
-            <a:tailEnd/>
-          </a:ln>
-        </p:spPr>
-        <p:txBody>
-          <a:bodyPr lIns="154707" tIns="77354" rIns="154707" bIns="77354"/>
-          <a:lstStyle/>
-          <a:p>
-            <a:pPr eaLnBrk="0" hangingPunct="0">
-              <a:defRPr/>
-            </a:pPr>
-            <a:fld id="{1BD3BB7B-F997-4B7C-BCBE-A063D59C732E}" type="slidenum">
-              <a:rPr lang="en-US" sz="1500" b="1">
-                <a:solidFill>
-                  <a:srgbClr val="7B7B7B"/>
-                </a:solidFill>
-                <a:ea typeface="ＭＳ Ｐゴシック" pitchFamily="34" charset="-128"/>
-                <a:cs typeface="+mn-cs"/>
-              </a:rPr>
-              <a:pPr eaLnBrk="0" hangingPunct="0">
-                <a:defRPr/>
-              </a:pPr>
-              <a:t>6</a:t>
-            </a:fld>
-            <a:endParaRPr lang="en-US" sz="1500" b="1" dirty="0">
-              <a:solidFill>
-                <a:srgbClr val="7B7B7B"/>
-              </a:solidFill>
-              <a:ea typeface="ＭＳ Ｐゴシック" pitchFamily="34" charset="-128"/>
-              <a:cs typeface="+mn-cs"/>
-            </a:endParaRPr>
-          </a:p>
-        </p:txBody>
-      </p:sp>
-      <p:sp>
-        <p:nvSpPr>
-          <p:cNvPr id="5" name="Text Placeholder 4"/>
-          <p:cNvSpPr>
-            <a:spLocks noGrp="1"/>
-          </p:cNvSpPr>
-          <p:nvPr>
-            <p:ph type="body" sz="quarter" idx="10"/>
+          <p:cNvPr id="3" name="Title 2"/>
+          <p:cNvSpPr>
+            <a:spLocks noGrp="1"/>
+          </p:cNvSpPr>
+          <p:nvPr>
+            <p:ph type="title"/>
           </p:nvPr>
         </p:nvSpPr>
         <p:spPr/>
@@ -5877,22 +6089,49 @@
           <a:p>
             <a:r>
               <a:rPr lang="en-US" dirty="0" smtClean="0"/>
-              <a:t>Demo 1: Constructing an API Read Request</a:t>
-            </a:r>
+              <a:t>Title</a:t>
+            </a:r>
+            <a:endParaRPr lang="en-US" dirty="0"/>
+          </a:p>
+        </p:txBody>
+      </p:sp>
+      <p:sp>
+        <p:nvSpPr>
+          <p:cNvPr id="4" name="Content Placeholder 3"/>
+          <p:cNvSpPr>
+            <a:spLocks noGrp="1"/>
+          </p:cNvSpPr>
+          <p:nvPr>
+            <p:ph idx="1"/>
+          </p:nvPr>
+        </p:nvSpPr>
+        <p:spPr/>
+        <p:txBody>
+          <a:bodyPr>
+            <a:normAutofit/>
+          </a:bodyPr>
+          <a:lstStyle/>
+          <a:p>
+            <a:r>
+              <a:rPr lang="en-US" sz="3200" dirty="0" smtClean="0"/>
+              <a:t>Content</a:t>
+            </a:r>
+          </a:p>
+          <a:p>
+            <a:endParaRPr lang="en-US" sz="3200" dirty="0"/>
           </a:p>
         </p:txBody>
       </p:sp>
     </p:spTree>
     <p:extLst>
       <p:ext uri="{BB962C8B-B14F-4D97-AF65-F5344CB8AC3E}">
-        <p14:creationId xmlns:p14="http://schemas.microsoft.com/office/powerpoint/2010/main" val="3539376714"/>
+        <p14:creationId xmlns:p14="http://schemas.microsoft.com/office/powerpoint/2010/main" val="2514608167"/>
       </p:ext>
     </p:extLst>
   </p:cSld>
   <p:clrMapOvr>
     <a:masterClrMapping/>
   </p:clrMapOvr>
-  <p:transition xmlns:p14="http://schemas.microsoft.com/office/powerpoint/2010/main"/>
   <p:timing>
     <p:tnLst>
       <p:par>
@@ -5922,6 +6161,119 @@
       </p:grpSpPr>
       <p:sp>
         <p:nvSpPr>
+          <p:cNvPr id="303106" name="Slide Number Placeholder 3"/>
+          <p:cNvSpPr txBox="1">
+            <a:spLocks noGrp="1"/>
+          </p:cNvSpPr>
+          <p:nvPr/>
+        </p:nvSpPr>
+        <p:spPr bwMode="auto">
+          <a:xfrm>
+            <a:off x="315868" y="9189943"/>
+            <a:ext cx="866378" cy="541514"/>
+          </a:xfrm>
+          <a:prstGeom prst="rect">
+            <a:avLst/>
+          </a:prstGeom>
+          <a:noFill/>
+          <a:ln>
+            <a:miter lim="800000"/>
+            <a:headEnd/>
+            <a:tailEnd/>
+          </a:ln>
+        </p:spPr>
+        <p:txBody>
+          <a:bodyPr lIns="154707" tIns="77354" rIns="154707" bIns="77354"/>
+          <a:lstStyle/>
+          <a:p>
+            <a:pPr eaLnBrk="0" hangingPunct="0">
+              <a:defRPr/>
+            </a:pPr>
+            <a:fld id="{1BD3BB7B-F997-4B7C-BCBE-A063D59C732E}" type="slidenum">
+              <a:rPr lang="en-US" sz="1500" b="1">
+                <a:solidFill>
+                  <a:srgbClr val="7B7B7B"/>
+                </a:solidFill>
+                <a:ea typeface="ＭＳ Ｐゴシック" pitchFamily="34" charset="-128"/>
+                <a:cs typeface="+mn-cs"/>
+              </a:rPr>
+              <a:pPr eaLnBrk="0" hangingPunct="0">
+                <a:defRPr/>
+              </a:pPr>
+              <a:t>7</a:t>
+            </a:fld>
+            <a:endParaRPr lang="en-US" sz="1500" b="1" dirty="0">
+              <a:solidFill>
+                <a:srgbClr val="7B7B7B"/>
+              </a:solidFill>
+              <a:ea typeface="ＭＳ Ｐゴシック" pitchFamily="34" charset="-128"/>
+              <a:cs typeface="+mn-cs"/>
+            </a:endParaRPr>
+          </a:p>
+        </p:txBody>
+      </p:sp>
+      <p:sp>
+        <p:nvSpPr>
+          <p:cNvPr id="5" name="Text Placeholder 4"/>
+          <p:cNvSpPr>
+            <a:spLocks noGrp="1"/>
+          </p:cNvSpPr>
+          <p:nvPr>
+            <p:ph type="body" sz="quarter" idx="10"/>
+          </p:nvPr>
+        </p:nvSpPr>
+        <p:spPr/>
+        <p:txBody>
+          <a:bodyPr/>
+          <a:lstStyle/>
+          <a:p>
+            <a:r>
+              <a:rPr lang="en-US" dirty="0" smtClean="0"/>
+              <a:t>Demo 1: Constructing an API Read Request</a:t>
+            </a:r>
+          </a:p>
+        </p:txBody>
+      </p:sp>
+    </p:spTree>
+    <p:extLst>
+      <p:ext uri="{BB962C8B-B14F-4D97-AF65-F5344CB8AC3E}">
+        <p14:creationId xmlns:p14="http://schemas.microsoft.com/office/powerpoint/2010/main" val="3539376714"/>
+      </p:ext>
+    </p:extLst>
+  </p:cSld>
+  <p:clrMapOvr>
+    <a:masterClrMapping/>
+  </p:clrMapOvr>
+  <p:transition xmlns:p14="http://schemas.microsoft.com/office/powerpoint/2010/main"/>
+  <p:timing>
+    <p:tnLst>
+      <p:par>
+        <p:cTn xmlns:p14="http://schemas.microsoft.com/office/powerpoint/2010/main" id="1" dur="indefinite" restart="never" nodeType="tmRoot"/>
+      </p:par>
+    </p:tnLst>
+  </p:timing>
+</p:sld>
+</file>
+
+<file path=ppt/slides/slide8.xml><?xml version="1.0" encoding="utf-8"?>
+<p:sld xmlns:a="http://schemas.openxmlformats.org/drawingml/2006/main" xmlns:r="http://schemas.openxmlformats.org/officeDocument/2006/relationships" xmlns:p="http://schemas.openxmlformats.org/presentationml/2006/main">
+  <p:cSld>
+    <p:spTree>
+      <p:nvGrpSpPr>
+        <p:cNvPr id="1" name=""/>
+        <p:cNvGrpSpPr/>
+        <p:nvPr/>
+      </p:nvGrpSpPr>
+      <p:grpSpPr>
+        <a:xfrm>
+          <a:off x="0" y="0"/>
+          <a:ext cx="0" cy="0"/>
+          <a:chOff x="0" y="0"/>
+          <a:chExt cx="0" cy="0"/>
+        </a:xfrm>
+      </p:grpSpPr>
+      <p:sp>
+        <p:nvSpPr>
           <p:cNvPr id="3" name="Text Placeholder 2"/>
           <p:cNvSpPr>
             <a:spLocks noGrp="1"/>
@@ -5996,7 +6348,7 @@
               <a:pPr>
                 <a:defRPr/>
               </a:pPr>
-              <a:t>7</a:t>
+              <a:t>8</a:t>
             </a:fld>
             <a:endParaRPr lang="en-US" dirty="0"/>
           </a:p>

--- a/VideoSessionsMaterials/creating-read-requests.pptx
+++ b/VideoSessionsMaterials/creating-read-requests.pptx
@@ -1,21 +1,17 @@
 
 <file path=ppt/presentation.xml><?xml version="1.0" encoding="utf-8"?>
-<p:presentation xmlns:a="http://schemas.openxmlformats.org/drawingml/2006/main" xmlns:r="http://schemas.openxmlformats.org/officeDocument/2006/relationships" xmlns:p="http://schemas.openxmlformats.org/presentationml/2006/main" showSpecialPlsOnTitleSld="0" saveSubsetFonts="1" autoCompressPictures="0">
+<p:presentation xmlns:a="http://schemas.openxmlformats.org/drawingml/2006/main" xmlns:r="http://schemas.openxmlformats.org/officeDocument/2006/relationships" xmlns:mc="http://schemas.openxmlformats.org/markup-compatibility/2006" xmlns:mv="urn:schemas-microsoft-com:mac:vml" xmlns:p="http://schemas.openxmlformats.org/presentationml/2006/main" mc:Ignorable="mv" mc:PreserveAttributes="mv:*" showSpecialPlsOnTitleSld="0" saveSubsetFonts="1" autoCompressPictures="0">
   <p:sldMasterIdLst>
     <p:sldMasterId id="2147483648" r:id="rId1"/>
   </p:sldMasterIdLst>
   <p:notesMasterIdLst>
-    <p:notesMasterId r:id="rId10"/>
+    <p:notesMasterId r:id="rId6"/>
   </p:notesMasterIdLst>
   <p:sldIdLst>
     <p:sldId id="364" r:id="rId2"/>
     <p:sldId id="370" r:id="rId3"/>
-    <p:sldId id="326" r:id="rId4"/>
-    <p:sldId id="367" r:id="rId5"/>
-    <p:sldId id="368" r:id="rId6"/>
-    <p:sldId id="369" r:id="rId7"/>
-    <p:sldId id="366" r:id="rId8"/>
-    <p:sldId id="322" r:id="rId9"/>
+    <p:sldId id="366" r:id="rId4"/>
+    <p:sldId id="322" r:id="rId5"/>
   </p:sldIdLst>
   <p:sldSz cx="17327563" cy="9747250"/>
   <p:notesSz cx="6858000" cy="9144000"/>
@@ -148,7 +144,7 @@
 </file>
 
 <file path=ppt/notesMasters/notesMaster1.xml><?xml version="1.0" encoding="utf-8"?>
-<p:notesMaster xmlns:a="http://schemas.openxmlformats.org/drawingml/2006/main" xmlns:r="http://schemas.openxmlformats.org/officeDocument/2006/relationships" xmlns:p="http://schemas.openxmlformats.org/presentationml/2006/main">
+<p:notesMaster xmlns:a="http://schemas.openxmlformats.org/drawingml/2006/main" xmlns:r="http://schemas.openxmlformats.org/officeDocument/2006/relationships" xmlns:mc="http://schemas.openxmlformats.org/markup-compatibility/2006" xmlns:mv="urn:schemas-microsoft-com:mac:vml" xmlns:p="http://schemas.openxmlformats.org/presentationml/2006/main" mc:Ignorable="mv" mc:PreserveAttributes="mv:*">
   <p:cSld>
     <p:bg>
       <p:bgRef idx="1001">
@@ -230,7 +226,7 @@
             <a:fld id="{DDC063FE-8627-9A42-970F-0BBEEB02B587}" type="datetimeFigureOut">
               <a:rPr lang="en-US" smtClean="0"/>
               <a:pPr/>
-              <a:t>12/5/13</a:t>
+              <a:t>12/6/13</a:t>
             </a:fld>
             <a:endParaRPr lang="en-US" dirty="0"/>
           </a:p>
@@ -399,7 +395,7 @@
     </p:spTree>
     <p:extLst>
       <p:ext uri="{BB962C8B-B14F-4D97-AF65-F5344CB8AC3E}">
-        <p14:creationId xmlns:p14="http://schemas.microsoft.com/office/powerpoint/2010/main" val="4045051341"/>
+        <p14:creationId xmlns:p14="http://schemas.microsoft.com/office/powerpoint/2010/main" xmlns:p="http://schemas.openxmlformats.org/presentationml/2006/main" xmlns:r="http://schemas.openxmlformats.org/officeDocument/2006/relationships" xmlns:a="http://schemas.openxmlformats.org/drawingml/2006/main" xmlns="" val="4045051341"/>
       </p:ext>
     </p:extLst>
   </p:cSld>
@@ -500,7 +496,7 @@
 </file>
 
 <file path=ppt/notesSlides/notesSlide1.xml><?xml version="1.0" encoding="utf-8"?>
-<p:notes xmlns:a="http://schemas.openxmlformats.org/drawingml/2006/main" xmlns:r="http://schemas.openxmlformats.org/officeDocument/2006/relationships" xmlns:p="http://schemas.openxmlformats.org/presentationml/2006/main">
+<p:notes xmlns:a="http://schemas.openxmlformats.org/drawingml/2006/main" xmlns:r="http://schemas.openxmlformats.org/officeDocument/2006/relationships" xmlns:mc="http://schemas.openxmlformats.org/markup-compatibility/2006" xmlns:mv="urn:schemas-microsoft-com:mac:vml" xmlns:p="http://schemas.openxmlformats.org/presentationml/2006/main" mc:Ignorable="mv" mc:PreserveAttributes="mv:*">
   <p:cSld>
     <p:spTree>
       <p:nvGrpSpPr>
@@ -574,7 +570,7 @@
     </p:spTree>
     <p:extLst>
       <p:ext uri="{BB962C8B-B14F-4D97-AF65-F5344CB8AC3E}">
-        <p14:creationId xmlns:p14="http://schemas.microsoft.com/office/powerpoint/2010/main" val="3250658828"/>
+        <p14:creationId xmlns:p14="http://schemas.microsoft.com/office/powerpoint/2010/main" xmlns:p="http://schemas.openxmlformats.org/presentationml/2006/main" xmlns:r="http://schemas.openxmlformats.org/officeDocument/2006/relationships" xmlns:a="http://schemas.openxmlformats.org/drawingml/2006/main" xmlns="" val="3250658828"/>
       </p:ext>
     </p:extLst>
   </p:cSld>
@@ -585,7 +581,7 @@
 </file>
 
 <file path=ppt/notesSlides/notesSlide2.xml><?xml version="1.0" encoding="utf-8"?>
-<p:notes xmlns:a="http://schemas.openxmlformats.org/drawingml/2006/main" xmlns:r="http://schemas.openxmlformats.org/officeDocument/2006/relationships" xmlns:p="http://schemas.openxmlformats.org/presentationml/2006/main">
+<p:notes xmlns:a="http://schemas.openxmlformats.org/drawingml/2006/main" xmlns:r="http://schemas.openxmlformats.org/officeDocument/2006/relationships" xmlns:mc="http://schemas.openxmlformats.org/markup-compatibility/2006" xmlns:mv="urn:schemas-microsoft-com:mac:vml" xmlns:p="http://schemas.openxmlformats.org/presentationml/2006/main" mc:Ignorable="mv" mc:PreserveAttributes="mv:*">
   <p:cSld>
     <p:spTree>
       <p:nvGrpSpPr>
@@ -623,14 +619,14 @@
           </a:ln>
           <a:extLst>
             <a:ext uri="{909E8E84-426E-40dd-AFC4-6F175D3DCCD1}">
-              <a14:hiddenFill xmlns:a14="http://schemas.microsoft.com/office/drawing/2010/main">
+              <a14:hiddenFill xmlns:a14="http://schemas.microsoft.com/office/drawing/2010/main" xmlns:p="http://schemas.openxmlformats.org/presentationml/2006/main" xmlns:r="http://schemas.openxmlformats.org/officeDocument/2006/relationships" xmlns:a="http://schemas.openxmlformats.org/drawingml/2006/main" xmlns="">
                 <a:solidFill>
                   <a:srgbClr val="FFFFFF"/>
                 </a:solidFill>
               </a14:hiddenFill>
             </a:ext>
             <a:ext uri="{FAA26D3D-D897-4be2-8F04-BA451C77F1D7}">
-              <ma14:placeholderFlag xmlns:ma14="http://schemas.microsoft.com/office/mac/drawingml/2011/main" val="1"/>
+              <ma14:placeholderFlag xmlns:ma14="http://schemas.microsoft.com/office/mac/drawingml/2011/main" xmlns:p="http://schemas.openxmlformats.org/presentationml/2006/main" xmlns:r="http://schemas.openxmlformats.org/officeDocument/2006/relationships" xmlns:a="http://schemas.openxmlformats.org/drawingml/2006/main" xmlns="" val="1"/>
             </a:ext>
           </a:extLst>
         </p:spPr>
@@ -649,14 +645,14 @@
           <a:noFill/>
           <a:extLst>
             <a:ext uri="{909E8E84-426E-40dd-AFC4-6F175D3DCCD1}">
-              <a14:hiddenFill xmlns:a14="http://schemas.microsoft.com/office/drawing/2010/main">
+              <a14:hiddenFill xmlns:a14="http://schemas.microsoft.com/office/drawing/2010/main" xmlns:p="http://schemas.openxmlformats.org/presentationml/2006/main" xmlns:r="http://schemas.openxmlformats.org/officeDocument/2006/relationships" xmlns:a="http://schemas.openxmlformats.org/drawingml/2006/main" xmlns="">
                 <a:solidFill>
                   <a:srgbClr val="FFFFFF"/>
                 </a:solidFill>
               </a14:hiddenFill>
             </a:ext>
             <a:ext uri="{91240B29-F687-4f45-9708-019B960494DF}">
-              <a14:hiddenLine xmlns:a14="http://schemas.microsoft.com/office/drawing/2010/main" w="9525">
+              <a14:hiddenLine xmlns:a14="http://schemas.microsoft.com/office/drawing/2010/main" xmlns:p="http://schemas.openxmlformats.org/presentationml/2006/main" xmlns:r="http://schemas.openxmlformats.org/officeDocument/2006/relationships" xmlns:a="http://schemas.openxmlformats.org/drawingml/2006/main" xmlns="" w="9525">
                 <a:solidFill>
                   <a:srgbClr val="000000"/>
                 </a:solidFill>
@@ -745,7 +741,7 @@
 </file>
 
 <file path=ppt/notesSlides/notesSlide3.xml><?xml version="1.0" encoding="utf-8"?>
-<p:notes xmlns:a="http://schemas.openxmlformats.org/drawingml/2006/main" xmlns:r="http://schemas.openxmlformats.org/officeDocument/2006/relationships" xmlns:p="http://schemas.openxmlformats.org/presentationml/2006/main">
+<p:notes xmlns:a="http://schemas.openxmlformats.org/drawingml/2006/main" xmlns:r="http://schemas.openxmlformats.org/officeDocument/2006/relationships" xmlns:mc="http://schemas.openxmlformats.org/markup-compatibility/2006" xmlns:mv="urn:schemas-microsoft-com:mac:vml" xmlns:p="http://schemas.openxmlformats.org/presentationml/2006/main" mc:Ignorable="mv" mc:PreserveAttributes="mv:*">
   <p:cSld>
     <p:spTree>
       <p:nvGrpSpPr>
@@ -763,65 +759,91 @@
       </p:grpSpPr>
       <p:sp>
         <p:nvSpPr>
-          <p:cNvPr id="2" name="Slide Image Placeholder 1"/>
-          <p:cNvSpPr>
-            <a:spLocks noGrp="1" noRot="1" noChangeAspect="1"/>
+          <p:cNvPr id="304129" name="Rectangle 7"/>
+          <p:cNvSpPr txBox="1">
+            <a:spLocks noGrp="1" noChangeArrowheads="1"/>
+          </p:cNvSpPr>
+          <p:nvPr/>
+        </p:nvSpPr>
+        <p:spPr bwMode="auto">
+          <a:xfrm>
+            <a:off x="3886200" y="8686489"/>
+            <a:ext cx="2971800" cy="457512"/>
+          </a:xfrm>
+          <a:prstGeom prst="rect">
+            <a:avLst/>
+          </a:prstGeom>
+          <a:noFill/>
+          <a:ln>
+            <a:miter lim="800000"/>
+            <a:headEnd/>
+            <a:tailEnd/>
+          </a:ln>
+        </p:spPr>
+        <p:txBody>
+          <a:bodyPr anchor="b"/>
+          <a:lstStyle/>
+          <a:p>
+            <a:pPr algn="r" eaLnBrk="0" hangingPunct="0">
+              <a:defRPr/>
+            </a:pPr>
+            <a:fld id="{5639B2D1-4F62-47BF-B141-83C0868A9AB5}" type="slidenum">
+              <a:rPr lang="en-US" sz="1200">
+                <a:ea typeface="ＭＳ Ｐゴシック" pitchFamily="34" charset="-128"/>
+                <a:cs typeface="+mn-cs"/>
+              </a:rPr>
+              <a:pPr algn="r" eaLnBrk="0" hangingPunct="0">
+                <a:defRPr/>
+              </a:pPr>
+              <a:t>3</a:t>
+            </a:fld>
+            <a:endParaRPr lang="en-US" sz="1200" dirty="0">
+              <a:ea typeface="ＭＳ Ｐゴシック" pitchFamily="34" charset="-128"/>
+              <a:cs typeface="+mn-cs"/>
+            </a:endParaRPr>
+          </a:p>
+        </p:txBody>
+      </p:sp>
+      <p:sp>
+        <p:nvSpPr>
+          <p:cNvPr id="97282" name="Rectangle 2"/>
+          <p:cNvSpPr>
+            <a:spLocks noGrp="1" noRot="1" noChangeAspect="1" noChangeArrowheads="1" noTextEdit="1"/>
           </p:cNvSpPr>
           <p:nvPr>
             <p:ph type="sldImg"/>
           </p:nvPr>
         </p:nvSpPr>
-        <p:spPr/>
-      </p:sp>
-      <p:sp>
-        <p:nvSpPr>
-          <p:cNvPr id="3" name="Notes Placeholder 2"/>
-          <p:cNvSpPr>
-            <a:spLocks noGrp="1"/>
+        <p:spPr>
+          <a:ln/>
+        </p:spPr>
+      </p:sp>
+      <p:sp>
+        <p:nvSpPr>
+          <p:cNvPr id="97283" name="Rectangle 3"/>
+          <p:cNvSpPr>
+            <a:spLocks noGrp="1" noChangeArrowheads="1"/>
           </p:cNvSpPr>
           <p:nvPr>
             <p:ph type="body" idx="1"/>
           </p:nvPr>
         </p:nvSpPr>
-        <p:spPr/>
+        <p:spPr>
+          <a:noFill/>
+          <a:ln/>
+        </p:spPr>
         <p:txBody>
           <a:bodyPr/>
           <a:lstStyle/>
           <a:p>
-            <a:endParaRPr lang="en-US"/>
-          </a:p>
-        </p:txBody>
-      </p:sp>
-      <p:sp>
-        <p:nvSpPr>
-          <p:cNvPr id="4" name="Slide Number Placeholder 3"/>
-          <p:cNvSpPr>
-            <a:spLocks noGrp="1"/>
-          </p:cNvSpPr>
-          <p:nvPr>
-            <p:ph type="sldNum" sz="quarter" idx="10"/>
-          </p:nvPr>
-        </p:nvSpPr>
-        <p:spPr/>
-        <p:txBody>
-          <a:bodyPr/>
-          <a:lstStyle/>
-          <a:p>
-            <a:fld id="{3560C2FB-C494-1A46-A471-884A4E75440F}" type="slidenum">
-              <a:rPr lang="en-US" smtClean="0"/>
-              <a:pPr/>
-              <a:t>3</a:t>
-            </a:fld>
-            <a:endParaRPr lang="en-US" dirty="0"/>
+            <a:pPr eaLnBrk="1" hangingPunct="1"/>
+            <a:endParaRPr lang="en-US" dirty="0" smtClean="0">
+              <a:ea typeface="ＭＳ Ｐゴシック"/>
+            </a:endParaRPr>
           </a:p>
         </p:txBody>
       </p:sp>
     </p:spTree>
-    <p:extLst>
-      <p:ext uri="{BB962C8B-B14F-4D97-AF65-F5344CB8AC3E}">
-        <p14:creationId xmlns:p14="http://schemas.microsoft.com/office/powerpoint/2010/main" val="963676054"/>
-      </p:ext>
-    </p:extLst>
   </p:cSld>
   <p:clrMapOvr>
     <a:masterClrMapping/>
@@ -830,7 +852,7 @@
 </file>
 
 <file path=ppt/notesSlides/notesSlide4.xml><?xml version="1.0" encoding="utf-8"?>
-<p:notes xmlns:a="http://schemas.openxmlformats.org/drawingml/2006/main" xmlns:r="http://schemas.openxmlformats.org/officeDocument/2006/relationships" xmlns:p="http://schemas.openxmlformats.org/presentationml/2006/main">
+<p:notes xmlns:a="http://schemas.openxmlformats.org/drawingml/2006/main" xmlns:r="http://schemas.openxmlformats.org/officeDocument/2006/relationships" xmlns:mc="http://schemas.openxmlformats.org/markup-compatibility/2006" xmlns:mv="urn:schemas-microsoft-com:mac:vml" xmlns:p="http://schemas.openxmlformats.org/presentationml/2006/main" mc:Ignorable="mv" mc:PreserveAttributes="mv:*">
   <p:cSld>
     <p:spTree>
       <p:nvGrpSpPr>
@@ -904,373 +926,7 @@
     </p:spTree>
     <p:extLst>
       <p:ext uri="{BB962C8B-B14F-4D97-AF65-F5344CB8AC3E}">
-        <p14:creationId xmlns:p14="http://schemas.microsoft.com/office/powerpoint/2010/main" val="963676054"/>
-      </p:ext>
-    </p:extLst>
-  </p:cSld>
-  <p:clrMapOvr>
-    <a:masterClrMapping/>
-  </p:clrMapOvr>
-</p:notes>
-</file>
-
-<file path=ppt/notesSlides/notesSlide5.xml><?xml version="1.0" encoding="utf-8"?>
-<p:notes xmlns:a="http://schemas.openxmlformats.org/drawingml/2006/main" xmlns:r="http://schemas.openxmlformats.org/officeDocument/2006/relationships" xmlns:p="http://schemas.openxmlformats.org/presentationml/2006/main">
-  <p:cSld>
-    <p:spTree>
-      <p:nvGrpSpPr>
-        <p:cNvPr id="1" name=""/>
-        <p:cNvGrpSpPr/>
-        <p:nvPr/>
-      </p:nvGrpSpPr>
-      <p:grpSpPr>
-        <a:xfrm>
-          <a:off x="0" y="0"/>
-          <a:ext cx="0" cy="0"/>
-          <a:chOff x="0" y="0"/>
-          <a:chExt cx="0" cy="0"/>
-        </a:xfrm>
-      </p:grpSpPr>
-      <p:sp>
-        <p:nvSpPr>
-          <p:cNvPr id="2" name="Slide Image Placeholder 1"/>
-          <p:cNvSpPr>
-            <a:spLocks noGrp="1" noRot="1" noChangeAspect="1"/>
-          </p:cNvSpPr>
-          <p:nvPr>
-            <p:ph type="sldImg"/>
-          </p:nvPr>
-        </p:nvSpPr>
-        <p:spPr/>
-      </p:sp>
-      <p:sp>
-        <p:nvSpPr>
-          <p:cNvPr id="3" name="Notes Placeholder 2"/>
-          <p:cNvSpPr>
-            <a:spLocks noGrp="1"/>
-          </p:cNvSpPr>
-          <p:nvPr>
-            <p:ph type="body" idx="1"/>
-          </p:nvPr>
-        </p:nvSpPr>
-        <p:spPr/>
-        <p:txBody>
-          <a:bodyPr/>
-          <a:lstStyle/>
-          <a:p>
-            <a:endParaRPr lang="en-US"/>
-          </a:p>
-        </p:txBody>
-      </p:sp>
-      <p:sp>
-        <p:nvSpPr>
-          <p:cNvPr id="4" name="Slide Number Placeholder 3"/>
-          <p:cNvSpPr>
-            <a:spLocks noGrp="1"/>
-          </p:cNvSpPr>
-          <p:nvPr>
-            <p:ph type="sldNum" sz="quarter" idx="10"/>
-          </p:nvPr>
-        </p:nvSpPr>
-        <p:spPr/>
-        <p:txBody>
-          <a:bodyPr/>
-          <a:lstStyle/>
-          <a:p>
-            <a:fld id="{3560C2FB-C494-1A46-A471-884A4E75440F}" type="slidenum">
-              <a:rPr lang="en-US" smtClean="0"/>
-              <a:pPr/>
-              <a:t>5</a:t>
-            </a:fld>
-            <a:endParaRPr lang="en-US" dirty="0"/>
-          </a:p>
-        </p:txBody>
-      </p:sp>
-    </p:spTree>
-    <p:extLst>
-      <p:ext uri="{BB962C8B-B14F-4D97-AF65-F5344CB8AC3E}">
-        <p14:creationId xmlns:p14="http://schemas.microsoft.com/office/powerpoint/2010/main" val="963676054"/>
-      </p:ext>
-    </p:extLst>
-  </p:cSld>
-  <p:clrMapOvr>
-    <a:masterClrMapping/>
-  </p:clrMapOvr>
-</p:notes>
-</file>
-
-<file path=ppt/notesSlides/notesSlide6.xml><?xml version="1.0" encoding="utf-8"?>
-<p:notes xmlns:a="http://schemas.openxmlformats.org/drawingml/2006/main" xmlns:r="http://schemas.openxmlformats.org/officeDocument/2006/relationships" xmlns:p="http://schemas.openxmlformats.org/presentationml/2006/main">
-  <p:cSld>
-    <p:spTree>
-      <p:nvGrpSpPr>
-        <p:cNvPr id="1" name=""/>
-        <p:cNvGrpSpPr/>
-        <p:nvPr/>
-      </p:nvGrpSpPr>
-      <p:grpSpPr>
-        <a:xfrm>
-          <a:off x="0" y="0"/>
-          <a:ext cx="0" cy="0"/>
-          <a:chOff x="0" y="0"/>
-          <a:chExt cx="0" cy="0"/>
-        </a:xfrm>
-      </p:grpSpPr>
-      <p:sp>
-        <p:nvSpPr>
-          <p:cNvPr id="2" name="Slide Image Placeholder 1"/>
-          <p:cNvSpPr>
-            <a:spLocks noGrp="1" noRot="1" noChangeAspect="1"/>
-          </p:cNvSpPr>
-          <p:nvPr>
-            <p:ph type="sldImg"/>
-          </p:nvPr>
-        </p:nvSpPr>
-        <p:spPr/>
-      </p:sp>
-      <p:sp>
-        <p:nvSpPr>
-          <p:cNvPr id="3" name="Notes Placeholder 2"/>
-          <p:cNvSpPr>
-            <a:spLocks noGrp="1"/>
-          </p:cNvSpPr>
-          <p:nvPr>
-            <p:ph type="body" idx="1"/>
-          </p:nvPr>
-        </p:nvSpPr>
-        <p:spPr/>
-        <p:txBody>
-          <a:bodyPr/>
-          <a:lstStyle/>
-          <a:p>
-            <a:endParaRPr lang="en-US"/>
-          </a:p>
-        </p:txBody>
-      </p:sp>
-      <p:sp>
-        <p:nvSpPr>
-          <p:cNvPr id="4" name="Slide Number Placeholder 3"/>
-          <p:cNvSpPr>
-            <a:spLocks noGrp="1"/>
-          </p:cNvSpPr>
-          <p:nvPr>
-            <p:ph type="sldNum" sz="quarter" idx="10"/>
-          </p:nvPr>
-        </p:nvSpPr>
-        <p:spPr/>
-        <p:txBody>
-          <a:bodyPr/>
-          <a:lstStyle/>
-          <a:p>
-            <a:fld id="{3560C2FB-C494-1A46-A471-884A4E75440F}" type="slidenum">
-              <a:rPr lang="en-US" smtClean="0"/>
-              <a:pPr/>
-              <a:t>6</a:t>
-            </a:fld>
-            <a:endParaRPr lang="en-US" dirty="0"/>
-          </a:p>
-        </p:txBody>
-      </p:sp>
-    </p:spTree>
-    <p:extLst>
-      <p:ext uri="{BB962C8B-B14F-4D97-AF65-F5344CB8AC3E}">
-        <p14:creationId xmlns:p14="http://schemas.microsoft.com/office/powerpoint/2010/main" val="963676054"/>
-      </p:ext>
-    </p:extLst>
-  </p:cSld>
-  <p:clrMapOvr>
-    <a:masterClrMapping/>
-  </p:clrMapOvr>
-</p:notes>
-</file>
-
-<file path=ppt/notesSlides/notesSlide7.xml><?xml version="1.0" encoding="utf-8"?>
-<p:notes xmlns:a="http://schemas.openxmlformats.org/drawingml/2006/main" xmlns:r="http://schemas.openxmlformats.org/officeDocument/2006/relationships" xmlns:p="http://schemas.openxmlformats.org/presentationml/2006/main">
-  <p:cSld>
-    <p:spTree>
-      <p:nvGrpSpPr>
-        <p:cNvPr id="1" name=""/>
-        <p:cNvGrpSpPr/>
-        <p:nvPr/>
-      </p:nvGrpSpPr>
-      <p:grpSpPr>
-        <a:xfrm>
-          <a:off x="0" y="0"/>
-          <a:ext cx="0" cy="0"/>
-          <a:chOff x="0" y="0"/>
-          <a:chExt cx="0" cy="0"/>
-        </a:xfrm>
-      </p:grpSpPr>
-      <p:sp>
-        <p:nvSpPr>
-          <p:cNvPr id="304129" name="Rectangle 7"/>
-          <p:cNvSpPr txBox="1">
-            <a:spLocks noGrp="1" noChangeArrowheads="1"/>
-          </p:cNvSpPr>
-          <p:nvPr/>
-        </p:nvSpPr>
-        <p:spPr bwMode="auto">
-          <a:xfrm>
-            <a:off x="3886200" y="8686489"/>
-            <a:ext cx="2971800" cy="457512"/>
-          </a:xfrm>
-          <a:prstGeom prst="rect">
-            <a:avLst/>
-          </a:prstGeom>
-          <a:noFill/>
-          <a:ln>
-            <a:miter lim="800000"/>
-            <a:headEnd/>
-            <a:tailEnd/>
-          </a:ln>
-        </p:spPr>
-        <p:txBody>
-          <a:bodyPr anchor="b"/>
-          <a:lstStyle/>
-          <a:p>
-            <a:pPr algn="r" eaLnBrk="0" hangingPunct="0">
-              <a:defRPr/>
-            </a:pPr>
-            <a:fld id="{5639B2D1-4F62-47BF-B141-83C0868A9AB5}" type="slidenum">
-              <a:rPr lang="en-US" sz="1200">
-                <a:ea typeface="ＭＳ Ｐゴシック" pitchFamily="34" charset="-128"/>
-                <a:cs typeface="+mn-cs"/>
-              </a:rPr>
-              <a:pPr algn="r" eaLnBrk="0" hangingPunct="0">
-                <a:defRPr/>
-              </a:pPr>
-              <a:t>7</a:t>
-            </a:fld>
-            <a:endParaRPr lang="en-US" sz="1200" dirty="0">
-              <a:ea typeface="ＭＳ Ｐゴシック" pitchFamily="34" charset="-128"/>
-              <a:cs typeface="+mn-cs"/>
-            </a:endParaRPr>
-          </a:p>
-        </p:txBody>
-      </p:sp>
-      <p:sp>
-        <p:nvSpPr>
-          <p:cNvPr id="97282" name="Rectangle 2"/>
-          <p:cNvSpPr>
-            <a:spLocks noGrp="1" noRot="1" noChangeAspect="1" noChangeArrowheads="1" noTextEdit="1"/>
-          </p:cNvSpPr>
-          <p:nvPr>
-            <p:ph type="sldImg"/>
-          </p:nvPr>
-        </p:nvSpPr>
-        <p:spPr>
-          <a:ln/>
-        </p:spPr>
-      </p:sp>
-      <p:sp>
-        <p:nvSpPr>
-          <p:cNvPr id="97283" name="Rectangle 3"/>
-          <p:cNvSpPr>
-            <a:spLocks noGrp="1" noChangeArrowheads="1"/>
-          </p:cNvSpPr>
-          <p:nvPr>
-            <p:ph type="body" idx="1"/>
-          </p:nvPr>
-        </p:nvSpPr>
-        <p:spPr>
-          <a:noFill/>
-          <a:ln/>
-        </p:spPr>
-        <p:txBody>
-          <a:bodyPr/>
-          <a:lstStyle/>
-          <a:p>
-            <a:pPr eaLnBrk="1" hangingPunct="1"/>
-            <a:endParaRPr lang="en-US" dirty="0" smtClean="0">
-              <a:ea typeface="ＭＳ Ｐゴシック"/>
-            </a:endParaRPr>
-          </a:p>
-        </p:txBody>
-      </p:sp>
-    </p:spTree>
-  </p:cSld>
-  <p:clrMapOvr>
-    <a:masterClrMapping/>
-  </p:clrMapOvr>
-</p:notes>
-</file>
-
-<file path=ppt/notesSlides/notesSlide8.xml><?xml version="1.0" encoding="utf-8"?>
-<p:notes xmlns:a="http://schemas.openxmlformats.org/drawingml/2006/main" xmlns:r="http://schemas.openxmlformats.org/officeDocument/2006/relationships" xmlns:p="http://schemas.openxmlformats.org/presentationml/2006/main">
-  <p:cSld>
-    <p:spTree>
-      <p:nvGrpSpPr>
-        <p:cNvPr id="1" name=""/>
-        <p:cNvGrpSpPr/>
-        <p:nvPr/>
-      </p:nvGrpSpPr>
-      <p:grpSpPr>
-        <a:xfrm>
-          <a:off x="0" y="0"/>
-          <a:ext cx="0" cy="0"/>
-          <a:chOff x="0" y="0"/>
-          <a:chExt cx="0" cy="0"/>
-        </a:xfrm>
-      </p:grpSpPr>
-      <p:sp>
-        <p:nvSpPr>
-          <p:cNvPr id="2" name="Slide Image Placeholder 1"/>
-          <p:cNvSpPr>
-            <a:spLocks noGrp="1" noRot="1" noChangeAspect="1"/>
-          </p:cNvSpPr>
-          <p:nvPr>
-            <p:ph type="sldImg"/>
-          </p:nvPr>
-        </p:nvSpPr>
-        <p:spPr/>
-      </p:sp>
-      <p:sp>
-        <p:nvSpPr>
-          <p:cNvPr id="3" name="Notes Placeholder 2"/>
-          <p:cNvSpPr>
-            <a:spLocks noGrp="1"/>
-          </p:cNvSpPr>
-          <p:nvPr>
-            <p:ph type="body" idx="1"/>
-          </p:nvPr>
-        </p:nvSpPr>
-        <p:spPr/>
-        <p:txBody>
-          <a:bodyPr/>
-          <a:lstStyle/>
-          <a:p>
-            <a:endParaRPr lang="en-US"/>
-          </a:p>
-        </p:txBody>
-      </p:sp>
-      <p:sp>
-        <p:nvSpPr>
-          <p:cNvPr id="4" name="Slide Number Placeholder 3"/>
-          <p:cNvSpPr>
-            <a:spLocks noGrp="1"/>
-          </p:cNvSpPr>
-          <p:nvPr>
-            <p:ph type="sldNum" sz="quarter" idx="10"/>
-          </p:nvPr>
-        </p:nvSpPr>
-        <p:spPr/>
-        <p:txBody>
-          <a:bodyPr/>
-          <a:lstStyle/>
-          <a:p>
-            <a:fld id="{3560C2FB-C494-1A46-A471-884A4E75440F}" type="slidenum">
-              <a:rPr lang="en-US" smtClean="0"/>
-              <a:pPr/>
-              <a:t>8</a:t>
-            </a:fld>
-            <a:endParaRPr lang="en-US" dirty="0"/>
-          </a:p>
-        </p:txBody>
-      </p:sp>
-    </p:spTree>
-    <p:extLst>
-      <p:ext uri="{BB962C8B-B14F-4D97-AF65-F5344CB8AC3E}">
-        <p14:creationId xmlns:p14="http://schemas.microsoft.com/office/powerpoint/2010/main" val="1443086944"/>
+        <p14:creationId xmlns:p14="http://schemas.microsoft.com/office/powerpoint/2010/main" xmlns:p="http://schemas.openxmlformats.org/presentationml/2006/main" xmlns:r="http://schemas.openxmlformats.org/officeDocument/2006/relationships" xmlns:a="http://schemas.openxmlformats.org/drawingml/2006/main" xmlns="" val="1443086944"/>
       </p:ext>
     </p:extLst>
   </p:cSld>
@@ -1281,7 +937,7 @@
 </file>
 
 <file path=ppt/slideLayouts/slideLayout1.xml><?xml version="1.0" encoding="utf-8"?>
-<p:sldLayout xmlns:a="http://schemas.openxmlformats.org/drawingml/2006/main" xmlns:r="http://schemas.openxmlformats.org/officeDocument/2006/relationships" xmlns:p="http://schemas.openxmlformats.org/presentationml/2006/main" type="title" preserve="1">
+<p:sldLayout xmlns:a="http://schemas.openxmlformats.org/drawingml/2006/main" xmlns:r="http://schemas.openxmlformats.org/officeDocument/2006/relationships" xmlns:mc="http://schemas.openxmlformats.org/markup-compatibility/2006" xmlns:mv="urn:schemas-microsoft-com:mac:vml" xmlns:p="http://schemas.openxmlformats.org/presentationml/2006/main" mc:Ignorable="mv" mc:PreserveAttributes="mv:*" type="title" preserve="1">
   <p:cSld name="Title Slide">
     <p:bg>
       <p:bgPr>
@@ -1505,7 +1161,7 @@
 </file>
 
 <file path=ppt/slideLayouts/slideLayout10.xml><?xml version="1.0" encoding="utf-8"?>
-<p:sldLayout xmlns:a="http://schemas.openxmlformats.org/drawingml/2006/main" xmlns:r="http://schemas.openxmlformats.org/officeDocument/2006/relationships" xmlns:p="http://schemas.openxmlformats.org/presentationml/2006/main" preserve="1" userDrawn="1">
+<p:sldLayout xmlns:a="http://schemas.openxmlformats.org/drawingml/2006/main" xmlns:r="http://schemas.openxmlformats.org/officeDocument/2006/relationships" xmlns:mc="http://schemas.openxmlformats.org/markup-compatibility/2006" xmlns:mv="urn:schemas-microsoft-com:mac:vml" xmlns:p="http://schemas.openxmlformats.org/presentationml/2006/main" mc:Ignorable="mv" mc:PreserveAttributes="mv:*" preserve="1" userDrawn="1">
   <p:cSld name="Impact Slide - Pink">
     <p:bg>
       <p:bgPr>
@@ -1578,7 +1234,7 @@
 </file>
 
 <file path=ppt/slideLayouts/slideLayout11.xml><?xml version="1.0" encoding="utf-8"?>
-<p:sldLayout xmlns:a="http://schemas.openxmlformats.org/drawingml/2006/main" xmlns:r="http://schemas.openxmlformats.org/officeDocument/2006/relationships" xmlns:p="http://schemas.openxmlformats.org/presentationml/2006/main" preserve="1" userDrawn="1">
+<p:sldLayout xmlns:a="http://schemas.openxmlformats.org/drawingml/2006/main" xmlns:r="http://schemas.openxmlformats.org/officeDocument/2006/relationships" xmlns:mc="http://schemas.openxmlformats.org/markup-compatibility/2006" xmlns:mv="urn:schemas-microsoft-com:mac:vml" xmlns:p="http://schemas.openxmlformats.org/presentationml/2006/main" mc:Ignorable="mv" mc:PreserveAttributes="mv:*" preserve="1" userDrawn="1">
   <p:cSld name="Quote Slide - Neutral">
     <p:bg>
       <p:bgPr>
@@ -1737,7 +1393,7 @@
 </file>
 
 <file path=ppt/slideLayouts/slideLayout12.xml><?xml version="1.0" encoding="utf-8"?>
-<p:sldLayout xmlns:a="http://schemas.openxmlformats.org/drawingml/2006/main" xmlns:r="http://schemas.openxmlformats.org/officeDocument/2006/relationships" xmlns:p="http://schemas.openxmlformats.org/presentationml/2006/main" preserve="1" userDrawn="1">
+<p:sldLayout xmlns:a="http://schemas.openxmlformats.org/drawingml/2006/main" xmlns:r="http://schemas.openxmlformats.org/officeDocument/2006/relationships" xmlns:mc="http://schemas.openxmlformats.org/markup-compatibility/2006" xmlns:mv="urn:schemas-microsoft-com:mac:vml" xmlns:p="http://schemas.openxmlformats.org/presentationml/2006/main" mc:Ignorable="mv" mc:PreserveAttributes="mv:*" preserve="1" userDrawn="1">
   <p:cSld name="Quote Slide - Teal">
     <p:bg>
       <p:bgPr>
@@ -1890,7 +1546,7 @@
 </file>
 
 <file path=ppt/slideLayouts/slideLayout13.xml><?xml version="1.0" encoding="utf-8"?>
-<p:sldLayout xmlns:a="http://schemas.openxmlformats.org/drawingml/2006/main" xmlns:r="http://schemas.openxmlformats.org/officeDocument/2006/relationships" xmlns:p="http://schemas.openxmlformats.org/presentationml/2006/main" preserve="1" userDrawn="1">
+<p:sldLayout xmlns:a="http://schemas.openxmlformats.org/drawingml/2006/main" xmlns:r="http://schemas.openxmlformats.org/officeDocument/2006/relationships" xmlns:mc="http://schemas.openxmlformats.org/markup-compatibility/2006" xmlns:mv="urn:schemas-microsoft-com:mac:vml" xmlns:p="http://schemas.openxmlformats.org/presentationml/2006/main" mc:Ignorable="mv" mc:PreserveAttributes="mv:*" preserve="1" userDrawn="1">
   <p:cSld name="Quote Slide - Green">
     <p:bg>
       <p:bgPr>
@@ -2043,7 +1699,7 @@
 </file>
 
 <file path=ppt/slideLayouts/slideLayout14.xml><?xml version="1.0" encoding="utf-8"?>
-<p:sldLayout xmlns:a="http://schemas.openxmlformats.org/drawingml/2006/main" xmlns:r="http://schemas.openxmlformats.org/officeDocument/2006/relationships" xmlns:p="http://schemas.openxmlformats.org/presentationml/2006/main" preserve="1" userDrawn="1">
+<p:sldLayout xmlns:a="http://schemas.openxmlformats.org/drawingml/2006/main" xmlns:r="http://schemas.openxmlformats.org/officeDocument/2006/relationships" xmlns:mc="http://schemas.openxmlformats.org/markup-compatibility/2006" xmlns:mv="urn:schemas-microsoft-com:mac:vml" xmlns:p="http://schemas.openxmlformats.org/presentationml/2006/main" mc:Ignorable="mv" mc:PreserveAttributes="mv:*" preserve="1" userDrawn="1">
   <p:cSld name="Orange Quote Slide">
     <p:bg>
       <p:bgPr>
@@ -2196,7 +1852,7 @@
 </file>
 
 <file path=ppt/slideLayouts/slideLayout15.xml><?xml version="1.0" encoding="utf-8"?>
-<p:sldLayout xmlns:a="http://schemas.openxmlformats.org/drawingml/2006/main" xmlns:r="http://schemas.openxmlformats.org/officeDocument/2006/relationships" xmlns:p="http://schemas.openxmlformats.org/presentationml/2006/main" preserve="1" userDrawn="1">
+<p:sldLayout xmlns:a="http://schemas.openxmlformats.org/drawingml/2006/main" xmlns:r="http://schemas.openxmlformats.org/officeDocument/2006/relationships" xmlns:mc="http://schemas.openxmlformats.org/markup-compatibility/2006" xmlns:mv="urn:schemas-microsoft-com:mac:vml" xmlns:p="http://schemas.openxmlformats.org/presentationml/2006/main" mc:Ignorable="mv" mc:PreserveAttributes="mv:*" preserve="1" userDrawn="1">
   <p:cSld name="Quote Slide - Pink">
     <p:bg>
       <p:bgPr>
@@ -2349,7 +2005,7 @@
 </file>
 
 <file path=ppt/slideLayouts/slideLayout16.xml><?xml version="1.0" encoding="utf-8"?>
-<p:sldLayout xmlns:a="http://schemas.openxmlformats.org/drawingml/2006/main" xmlns:r="http://schemas.openxmlformats.org/officeDocument/2006/relationships" xmlns:p="http://schemas.openxmlformats.org/presentationml/2006/main" preserve="1" userDrawn="1">
+<p:sldLayout xmlns:a="http://schemas.openxmlformats.org/drawingml/2006/main" xmlns:r="http://schemas.openxmlformats.org/officeDocument/2006/relationships" xmlns:mc="http://schemas.openxmlformats.org/markup-compatibility/2006" xmlns:mv="urn:schemas-microsoft-com:mac:vml" xmlns:p="http://schemas.openxmlformats.org/presentationml/2006/main" mc:Ignorable="mv" mc:PreserveAttributes="mv:*" preserve="1" userDrawn="1">
   <p:cSld name="Thank You - Teal">
     <p:bg>
       <p:bgPr>
@@ -2480,7 +2136,7 @@
 </file>
 
 <file path=ppt/slideLayouts/slideLayout17.xml><?xml version="1.0" encoding="utf-8"?>
-<p:sldLayout xmlns:a="http://schemas.openxmlformats.org/drawingml/2006/main" xmlns:r="http://schemas.openxmlformats.org/officeDocument/2006/relationships" xmlns:p="http://schemas.openxmlformats.org/presentationml/2006/main" preserve="1" userDrawn="1">
+<p:sldLayout xmlns:a="http://schemas.openxmlformats.org/drawingml/2006/main" xmlns:r="http://schemas.openxmlformats.org/officeDocument/2006/relationships" xmlns:mc="http://schemas.openxmlformats.org/markup-compatibility/2006" xmlns:mv="urn:schemas-microsoft-com:mac:vml" xmlns:p="http://schemas.openxmlformats.org/presentationml/2006/main" mc:Ignorable="mv" mc:PreserveAttributes="mv:*" preserve="1" userDrawn="1">
   <p:cSld name="Thank You - Green">
     <p:bg>
       <p:bgPr>
@@ -2611,7 +2267,7 @@
 </file>
 
 <file path=ppt/slideLayouts/slideLayout18.xml><?xml version="1.0" encoding="utf-8"?>
-<p:sldLayout xmlns:a="http://schemas.openxmlformats.org/drawingml/2006/main" xmlns:r="http://schemas.openxmlformats.org/officeDocument/2006/relationships" xmlns:p="http://schemas.openxmlformats.org/presentationml/2006/main" userDrawn="1">
+<p:sldLayout xmlns:a="http://schemas.openxmlformats.org/drawingml/2006/main" xmlns:r="http://schemas.openxmlformats.org/officeDocument/2006/relationships" xmlns:mc="http://schemas.openxmlformats.org/markup-compatibility/2006" xmlns:mv="urn:schemas-microsoft-com:mac:vml" xmlns:p="http://schemas.openxmlformats.org/presentationml/2006/main" mc:Ignorable="mv" mc:PreserveAttributes="mv:*" userDrawn="1">
   <p:cSld name="Thank You - Orange">
     <p:bg>
       <p:bgPr>
@@ -2742,7 +2398,7 @@
 </file>
 
 <file path=ppt/slideLayouts/slideLayout19.xml><?xml version="1.0" encoding="utf-8"?>
-<p:sldLayout xmlns:a="http://schemas.openxmlformats.org/drawingml/2006/main" xmlns:r="http://schemas.openxmlformats.org/officeDocument/2006/relationships" xmlns:p="http://schemas.openxmlformats.org/presentationml/2006/main" userDrawn="1">
+<p:sldLayout xmlns:a="http://schemas.openxmlformats.org/drawingml/2006/main" xmlns:r="http://schemas.openxmlformats.org/officeDocument/2006/relationships" xmlns:mc="http://schemas.openxmlformats.org/markup-compatibility/2006" xmlns:mv="urn:schemas-microsoft-com:mac:vml" xmlns:p="http://schemas.openxmlformats.org/presentationml/2006/main" mc:Ignorable="mv" mc:PreserveAttributes="mv:*" userDrawn="1">
   <p:cSld name="Thank You - Pink">
     <p:bg>
       <p:bgPr>
@@ -2873,7 +2529,7 @@
 </file>
 
 <file path=ppt/slideLayouts/slideLayout2.xml><?xml version="1.0" encoding="utf-8"?>
-<p:sldLayout xmlns:a="http://schemas.openxmlformats.org/drawingml/2006/main" xmlns:r="http://schemas.openxmlformats.org/officeDocument/2006/relationships" xmlns:p="http://schemas.openxmlformats.org/presentationml/2006/main" preserve="1" userDrawn="1">
+<p:sldLayout xmlns:a="http://schemas.openxmlformats.org/drawingml/2006/main" xmlns:r="http://schemas.openxmlformats.org/officeDocument/2006/relationships" xmlns:mc="http://schemas.openxmlformats.org/markup-compatibility/2006" xmlns:mv="urn:schemas-microsoft-com:mac:vml" xmlns:p="http://schemas.openxmlformats.org/presentationml/2006/main" mc:Ignorable="mv" mc:PreserveAttributes="mv:*" preserve="1" userDrawn="1">
   <p:cSld name="Title and Single Element">
     <p:spTree>
       <p:nvGrpSpPr>
@@ -3204,7 +2860,7 @@
 </file>
 
 <file path=ppt/slideLayouts/slideLayout3.xml><?xml version="1.0" encoding="utf-8"?>
-<p:sldLayout xmlns:a="http://schemas.openxmlformats.org/drawingml/2006/main" xmlns:r="http://schemas.openxmlformats.org/officeDocument/2006/relationships" xmlns:p="http://schemas.openxmlformats.org/presentationml/2006/main" preserve="1" userDrawn="1">
+<p:sldLayout xmlns:a="http://schemas.openxmlformats.org/drawingml/2006/main" xmlns:r="http://schemas.openxmlformats.org/officeDocument/2006/relationships" xmlns:mc="http://schemas.openxmlformats.org/markup-compatibility/2006" xmlns:mv="urn:schemas-microsoft-com:mac:vml" xmlns:p="http://schemas.openxmlformats.org/presentationml/2006/main" mc:Ignorable="mv" mc:PreserveAttributes="mv:*" preserve="1" userDrawn="1">
   <p:cSld name="Title and Two Element">
     <p:spTree>
       <p:nvGrpSpPr>
@@ -3596,7 +3252,7 @@
 </file>
 
 <file path=ppt/slideLayouts/slideLayout4.xml><?xml version="1.0" encoding="utf-8"?>
-<p:sldLayout xmlns:a="http://schemas.openxmlformats.org/drawingml/2006/main" xmlns:r="http://schemas.openxmlformats.org/officeDocument/2006/relationships" xmlns:p="http://schemas.openxmlformats.org/presentationml/2006/main" preserve="1" userDrawn="1">
+<p:sldLayout xmlns:a="http://schemas.openxmlformats.org/drawingml/2006/main" xmlns:r="http://schemas.openxmlformats.org/officeDocument/2006/relationships" xmlns:mc="http://schemas.openxmlformats.org/markup-compatibility/2006" xmlns:mv="urn:schemas-microsoft-com:mac:vml" xmlns:p="http://schemas.openxmlformats.org/presentationml/2006/main" mc:Ignorable="mv" mc:PreserveAttributes="mv:*" preserve="1" userDrawn="1">
   <p:cSld name="Title Only and Blank">
     <p:spTree>
       <p:nvGrpSpPr>
@@ -3870,7 +3526,7 @@
 </file>
 
 <file path=ppt/slideLayouts/slideLayout5.xml><?xml version="1.0" encoding="utf-8"?>
-<p:sldLayout xmlns:a="http://schemas.openxmlformats.org/drawingml/2006/main" xmlns:r="http://schemas.openxmlformats.org/officeDocument/2006/relationships" xmlns:p="http://schemas.openxmlformats.org/presentationml/2006/main" userDrawn="1">
+<p:sldLayout xmlns:a="http://schemas.openxmlformats.org/drawingml/2006/main" xmlns:r="http://schemas.openxmlformats.org/officeDocument/2006/relationships" xmlns:mc="http://schemas.openxmlformats.org/markup-compatibility/2006" xmlns:mv="urn:schemas-microsoft-com:mac:vml" xmlns:p="http://schemas.openxmlformats.org/presentationml/2006/main" mc:Ignorable="mv" mc:PreserveAttributes="mv:*" userDrawn="1">
   <p:cSld name="Left Text and Right Image">
     <p:spTree>
       <p:nvGrpSpPr>
@@ -4231,7 +3887,7 @@
 </file>
 
 <file path=ppt/slideLayouts/slideLayout6.xml><?xml version="1.0" encoding="utf-8"?>
-<p:sldLayout xmlns:a="http://schemas.openxmlformats.org/drawingml/2006/main" xmlns:r="http://schemas.openxmlformats.org/officeDocument/2006/relationships" xmlns:p="http://schemas.openxmlformats.org/presentationml/2006/main" preserve="1" userDrawn="1">
+<p:sldLayout xmlns:a="http://schemas.openxmlformats.org/drawingml/2006/main" xmlns:r="http://schemas.openxmlformats.org/officeDocument/2006/relationships" xmlns:mc="http://schemas.openxmlformats.org/markup-compatibility/2006" xmlns:mv="urn:schemas-microsoft-com:mac:vml" xmlns:p="http://schemas.openxmlformats.org/presentationml/2006/main" mc:Ignorable="mv" mc:PreserveAttributes="mv:*" preserve="1" userDrawn="1">
   <p:cSld name="Left Image and Right Text">
     <p:spTree>
       <p:nvGrpSpPr>
@@ -4592,7 +4248,7 @@
 </file>
 
 <file path=ppt/slideLayouts/slideLayout7.xml><?xml version="1.0" encoding="utf-8"?>
-<p:sldLayout xmlns:a="http://schemas.openxmlformats.org/drawingml/2006/main" xmlns:r="http://schemas.openxmlformats.org/officeDocument/2006/relationships" xmlns:p="http://schemas.openxmlformats.org/presentationml/2006/main" preserve="1" userDrawn="1">
+<p:sldLayout xmlns:a="http://schemas.openxmlformats.org/drawingml/2006/main" xmlns:r="http://schemas.openxmlformats.org/officeDocument/2006/relationships" xmlns:mc="http://schemas.openxmlformats.org/markup-compatibility/2006" xmlns:mv="urn:schemas-microsoft-com:mac:vml" xmlns:p="http://schemas.openxmlformats.org/presentationml/2006/main" mc:Ignorable="mv" mc:PreserveAttributes="mv:*" preserve="1" userDrawn="1">
   <p:cSld name="Impact Slide - Teal">
     <p:bg>
       <p:bgPr>
@@ -4687,7 +4343,7 @@
 </file>
 
 <file path=ppt/slideLayouts/slideLayout8.xml><?xml version="1.0" encoding="utf-8"?>
-<p:sldLayout xmlns:a="http://schemas.openxmlformats.org/drawingml/2006/main" xmlns:r="http://schemas.openxmlformats.org/officeDocument/2006/relationships" xmlns:p="http://schemas.openxmlformats.org/presentationml/2006/main" preserve="1" userDrawn="1">
+<p:sldLayout xmlns:a="http://schemas.openxmlformats.org/drawingml/2006/main" xmlns:r="http://schemas.openxmlformats.org/officeDocument/2006/relationships" xmlns:mc="http://schemas.openxmlformats.org/markup-compatibility/2006" xmlns:mv="urn:schemas-microsoft-com:mac:vml" xmlns:p="http://schemas.openxmlformats.org/presentationml/2006/main" mc:Ignorable="mv" mc:PreserveAttributes="mv:*" preserve="1" userDrawn="1">
   <p:cSld name="Impact Slide - Green">
     <p:bg>
       <p:bgPr>
@@ -4782,7 +4438,7 @@
 </file>
 
 <file path=ppt/slideLayouts/slideLayout9.xml><?xml version="1.0" encoding="utf-8"?>
-<p:sldLayout xmlns:a="http://schemas.openxmlformats.org/drawingml/2006/main" xmlns:r="http://schemas.openxmlformats.org/officeDocument/2006/relationships" xmlns:p="http://schemas.openxmlformats.org/presentationml/2006/main" preserve="1" userDrawn="1">
+<p:sldLayout xmlns:a="http://schemas.openxmlformats.org/drawingml/2006/main" xmlns:r="http://schemas.openxmlformats.org/officeDocument/2006/relationships" xmlns:mc="http://schemas.openxmlformats.org/markup-compatibility/2006" xmlns:mv="urn:schemas-microsoft-com:mac:vml" xmlns:p="http://schemas.openxmlformats.org/presentationml/2006/main" mc:Ignorable="mv" mc:PreserveAttributes="mv:*" preserve="1" userDrawn="1">
   <p:cSld name="Impact Slide - Orange">
     <p:bg>
       <p:bgPr>
@@ -4877,7 +4533,7 @@
 </file>
 
 <file path=ppt/slideMasters/slideMaster1.xml><?xml version="1.0" encoding="utf-8"?>
-<p:sldMaster xmlns:a="http://schemas.openxmlformats.org/drawingml/2006/main" xmlns:r="http://schemas.openxmlformats.org/officeDocument/2006/relationships" xmlns:p="http://schemas.openxmlformats.org/presentationml/2006/main">
+<p:sldMaster xmlns:a="http://schemas.openxmlformats.org/drawingml/2006/main" xmlns:r="http://schemas.openxmlformats.org/officeDocument/2006/relationships" xmlns:mc="http://schemas.openxmlformats.org/markup-compatibility/2006" xmlns:mv="urn:schemas-microsoft-com:mac:vml" xmlns:p="http://schemas.openxmlformats.org/presentationml/2006/main" mc:Ignorable="mv" mc:PreserveAttributes="mv:*">
   <p:cSld>
     <p:bg>
       <p:bgPr>
@@ -5499,7 +5155,7 @@
 </file>
 
 <file path=ppt/slides/slide1.xml><?xml version="1.0" encoding="utf-8"?>
-<p:sld xmlns:a="http://schemas.openxmlformats.org/drawingml/2006/main" xmlns:r="http://schemas.openxmlformats.org/officeDocument/2006/relationships" xmlns:p="http://schemas.openxmlformats.org/presentationml/2006/main">
+<p:sld xmlns:a="http://schemas.openxmlformats.org/drawingml/2006/main" xmlns:r="http://schemas.openxmlformats.org/officeDocument/2006/relationships" xmlns:mc="http://schemas.openxmlformats.org/markup-compatibility/2006" xmlns:mv="urn:schemas-microsoft-com:mac:vml" xmlns:p="http://schemas.openxmlformats.org/presentationml/2006/main" mc:Ignorable="mv" mc:PreserveAttributes="mv:*">
   <p:cSld>
     <p:spTree>
       <p:nvGrpSpPr>
@@ -5579,20 +5235,20 @@
     </p:spTree>
     <p:extLst>
       <p:ext uri="{BB962C8B-B14F-4D97-AF65-F5344CB8AC3E}">
-        <p14:creationId xmlns:p14="http://schemas.microsoft.com/office/powerpoint/2010/main" val="2352184382"/>
+        <p14:creationId xmlns:p14="http://schemas.microsoft.com/office/powerpoint/2010/main" xmlns:p="http://schemas.openxmlformats.org/presentationml/2006/main" xmlns:r="http://schemas.openxmlformats.org/officeDocument/2006/relationships" xmlns:a="http://schemas.openxmlformats.org/drawingml/2006/main" xmlns="" val="2352184382"/>
       </p:ext>
     </p:extLst>
   </p:cSld>
   <p:clrMapOvr>
     <a:masterClrMapping/>
   </p:clrMapOvr>
-  <p:transition xmlns:p14="http://schemas.microsoft.com/office/powerpoint/2010/main" spd="med">
+  <p:transition spd="med">
     <p:fade/>
   </p:transition>
   <p:timing>
     <p:tnLst>
       <p:par>
-        <p:cTn xmlns:p14="http://schemas.microsoft.com/office/powerpoint/2010/main" id="1" dur="indefinite" restart="never" nodeType="tmRoot"/>
+        <p:cTn id="1" dur="indefinite" restart="never" nodeType="tmRoot"/>
       </p:par>
     </p:tnLst>
   </p:timing>
@@ -5600,7 +5256,7 @@
 </file>
 
 <file path=ppt/slides/slide2.xml><?xml version="1.0" encoding="utf-8"?>
-<p:sld xmlns:a="http://schemas.openxmlformats.org/drawingml/2006/main" xmlns:r="http://schemas.openxmlformats.org/officeDocument/2006/relationships" xmlns:p="http://schemas.openxmlformats.org/presentationml/2006/main">
+<p:sld xmlns:a="http://schemas.openxmlformats.org/drawingml/2006/main" xmlns:r="http://schemas.openxmlformats.org/officeDocument/2006/relationships" xmlns:mc="http://schemas.openxmlformats.org/markup-compatibility/2006" xmlns:mv="urn:schemas-microsoft-com:mac:vml" xmlns:p="http://schemas.openxmlformats.org/presentationml/2006/main" mc:Ignorable="mv" mc:PreserveAttributes="mv:*">
   <p:cSld>
     <p:spTree>
       <p:nvGrpSpPr>
@@ -5776,7 +5432,7 @@
     </p:spTree>
     <p:extLst>
       <p:ext uri="{BB962C8B-B14F-4D97-AF65-F5344CB8AC3E}">
-        <p14:creationId xmlns:p14="http://schemas.microsoft.com/office/powerpoint/2010/main" val="2496601739"/>
+        <p14:creationId xmlns:p14="http://schemas.microsoft.com/office/powerpoint/2010/main" xmlns:p="http://schemas.openxmlformats.org/presentationml/2006/main" xmlns:r="http://schemas.openxmlformats.org/officeDocument/2006/relationships" xmlns:a="http://schemas.openxmlformats.org/drawingml/2006/main" xmlns="" val="2496601739"/>
       </p:ext>
     </p:extLst>
   </p:cSld>
@@ -5786,7 +5442,7 @@
   <p:timing>
     <p:tnLst>
       <p:par>
-        <p:cTn xmlns:p14="http://schemas.microsoft.com/office/powerpoint/2010/main" id="1" dur="indefinite" restart="never" nodeType="tmRoot"/>
+        <p:cTn id="1" dur="indefinite" restart="never" nodeType="tmRoot"/>
       </p:par>
     </p:tnLst>
   </p:timing>
@@ -5794,7 +5450,7 @@
 </file>
 
 <file path=ppt/slides/slide3.xml><?xml version="1.0" encoding="utf-8"?>
-<p:sld xmlns:a="http://schemas.openxmlformats.org/drawingml/2006/main" xmlns:r="http://schemas.openxmlformats.org/officeDocument/2006/relationships" xmlns:p="http://schemas.openxmlformats.org/presentationml/2006/main">
+<p:sld xmlns:a="http://schemas.openxmlformats.org/drawingml/2006/main" xmlns:r="http://schemas.openxmlformats.org/officeDocument/2006/relationships" xmlns:mc="http://schemas.openxmlformats.org/markup-compatibility/2006" xmlns:mv="urn:schemas-microsoft-com:mac:vml" xmlns:p="http://schemas.openxmlformats.org/presentationml/2006/main" mc:Ignorable="mv" mc:PreserveAttributes="mv:*">
   <p:cSld>
     <p:spTree>
       <p:nvGrpSpPr>
@@ -5812,12 +5468,65 @@
       </p:grpSpPr>
       <p:sp>
         <p:nvSpPr>
-          <p:cNvPr id="3" name="Title 2"/>
-          <p:cNvSpPr>
-            <a:spLocks noGrp="1"/>
-          </p:cNvSpPr>
-          <p:nvPr>
-            <p:ph type="title"/>
+          <p:cNvPr id="303106" name="Slide Number Placeholder 3"/>
+          <p:cNvSpPr txBox="1">
+            <a:spLocks noGrp="1"/>
+          </p:cNvSpPr>
+          <p:nvPr/>
+        </p:nvSpPr>
+        <p:spPr bwMode="auto">
+          <a:xfrm>
+            <a:off x="315868" y="9189943"/>
+            <a:ext cx="866378" cy="541514"/>
+          </a:xfrm>
+          <a:prstGeom prst="rect">
+            <a:avLst/>
+          </a:prstGeom>
+          <a:noFill/>
+          <a:ln>
+            <a:miter lim="800000"/>
+            <a:headEnd/>
+            <a:tailEnd/>
+          </a:ln>
+        </p:spPr>
+        <p:txBody>
+          <a:bodyPr lIns="154707" tIns="77354" rIns="154707" bIns="77354"/>
+          <a:lstStyle/>
+          <a:p>
+            <a:pPr eaLnBrk="0" hangingPunct="0">
+              <a:defRPr/>
+            </a:pPr>
+            <a:fld id="{1BD3BB7B-F997-4B7C-BCBE-A063D59C732E}" type="slidenum">
+              <a:rPr lang="en-US" sz="1500" b="1">
+                <a:solidFill>
+                  <a:srgbClr val="7B7B7B"/>
+                </a:solidFill>
+                <a:ea typeface="ＭＳ Ｐゴシック" pitchFamily="34" charset="-128"/>
+                <a:cs typeface="+mn-cs"/>
+              </a:rPr>
+              <a:pPr eaLnBrk="0" hangingPunct="0">
+                <a:defRPr/>
+              </a:pPr>
+              <a:t>3</a:t>
+            </a:fld>
+            <a:endParaRPr lang="en-US" sz="1500" b="1" dirty="0">
+              <a:solidFill>
+                <a:srgbClr val="7B7B7B"/>
+              </a:solidFill>
+              <a:ea typeface="ＭＳ Ｐゴシック" pitchFamily="34" charset="-128"/>
+              <a:cs typeface="+mn-cs"/>
+            </a:endParaRPr>
+          </a:p>
+        </p:txBody>
+      </p:sp>
+      <p:sp>
+        <p:nvSpPr>
+          <p:cNvPr id="5" name="Text Placeholder 4"/>
+          <p:cNvSpPr>
+            <a:spLocks noGrp="1"/>
+          </p:cNvSpPr>
+          <p:nvPr>
+            <p:ph type="body" sz="quarter" idx="10"/>
           </p:nvPr>
         </p:nvSpPr>
         <p:spPr/>
@@ -5827,54 +5536,26 @@
           <a:p>
             <a:r>
               <a:rPr lang="en-US" dirty="0" smtClean="0"/>
-              <a:t>Title</a:t>
-            </a:r>
-            <a:endParaRPr lang="en-US" dirty="0"/>
-          </a:p>
-        </p:txBody>
-      </p:sp>
-      <p:sp>
-        <p:nvSpPr>
-          <p:cNvPr id="4" name="Content Placeholder 3"/>
-          <p:cNvSpPr>
-            <a:spLocks noGrp="1"/>
-          </p:cNvSpPr>
-          <p:nvPr>
-            <p:ph idx="1"/>
-          </p:nvPr>
-        </p:nvSpPr>
-        <p:spPr/>
-        <p:txBody>
-          <a:bodyPr>
-            <a:normAutofit/>
-          </a:bodyPr>
-          <a:lstStyle/>
-          <a:p>
-            <a:r>
-              <a:rPr lang="en-US" sz="3200" smtClean="0"/>
-              <a:t>SEEMS LIKE MORE CONTENT COULD BE ADDED HERE</a:t>
-            </a:r>
-            <a:endParaRPr lang="en-US" sz="3200" dirty="0" smtClean="0"/>
-          </a:p>
-          <a:p>
-            <a:endParaRPr lang="en-US" sz="3200" dirty="0"/>
+              <a:t>Demo 1: Constructing an API Read Request</a:t>
+            </a:r>
           </a:p>
         </p:txBody>
       </p:sp>
     </p:spTree>
     <p:extLst>
       <p:ext uri="{BB962C8B-B14F-4D97-AF65-F5344CB8AC3E}">
-        <p14:creationId xmlns:p14="http://schemas.microsoft.com/office/powerpoint/2010/main" val="1723545958"/>
+        <p14:creationId xmlns:p14="http://schemas.microsoft.com/office/powerpoint/2010/main" xmlns:p="http://schemas.openxmlformats.org/presentationml/2006/main" xmlns:r="http://schemas.openxmlformats.org/officeDocument/2006/relationships" xmlns:a="http://schemas.openxmlformats.org/drawingml/2006/main" xmlns="" val="3539376714"/>
       </p:ext>
     </p:extLst>
   </p:cSld>
   <p:clrMapOvr>
     <a:masterClrMapping/>
   </p:clrMapOvr>
+  <p:transition/>
   <p:timing>
     <p:tnLst>
       <p:par>
-        <p:cTn xmlns:p14="http://schemas.microsoft.com/office/powerpoint/2010/main" id="1" dur="indefinite" restart="never" nodeType="tmRoot"/>
+        <p:cTn id="1" dur="indefinite" restart="never" nodeType="tmRoot"/>
       </p:par>
     </p:tnLst>
   </p:timing>
@@ -5882,7 +5563,7 @@
 </file>
 
 <file path=ppt/slides/slide4.xml><?xml version="1.0" encoding="utf-8"?>
-<p:sld xmlns:a="http://schemas.openxmlformats.org/drawingml/2006/main" xmlns:r="http://schemas.openxmlformats.org/officeDocument/2006/relationships" xmlns:p="http://schemas.openxmlformats.org/presentationml/2006/main">
+<p:sld xmlns:a="http://schemas.openxmlformats.org/drawingml/2006/main" xmlns:r="http://schemas.openxmlformats.org/officeDocument/2006/relationships" xmlns:mc="http://schemas.openxmlformats.org/markup-compatibility/2006" xmlns:mv="urn:schemas-microsoft-com:mac:vml" xmlns:p="http://schemas.openxmlformats.org/presentationml/2006/main" mc:Ignorable="mv" mc:PreserveAttributes="mv:*">
   <p:cSld>
     <p:spTree>
       <p:nvGrpSpPr>
@@ -5900,380 +5581,6 @@
       </p:grpSpPr>
       <p:sp>
         <p:nvSpPr>
-          <p:cNvPr id="3" name="Title 2"/>
-          <p:cNvSpPr>
-            <a:spLocks noGrp="1"/>
-          </p:cNvSpPr>
-          <p:nvPr>
-            <p:ph type="title"/>
-          </p:nvPr>
-        </p:nvSpPr>
-        <p:spPr/>
-        <p:txBody>
-          <a:bodyPr/>
-          <a:lstStyle/>
-          <a:p>
-            <a:r>
-              <a:rPr lang="en-US" dirty="0" smtClean="0"/>
-              <a:t>Title</a:t>
-            </a:r>
-            <a:endParaRPr lang="en-US" dirty="0"/>
-          </a:p>
-        </p:txBody>
-      </p:sp>
-      <p:sp>
-        <p:nvSpPr>
-          <p:cNvPr id="4" name="Content Placeholder 3"/>
-          <p:cNvSpPr>
-            <a:spLocks noGrp="1"/>
-          </p:cNvSpPr>
-          <p:nvPr>
-            <p:ph idx="1"/>
-          </p:nvPr>
-        </p:nvSpPr>
-        <p:spPr/>
-        <p:txBody>
-          <a:bodyPr>
-            <a:normAutofit/>
-          </a:bodyPr>
-          <a:lstStyle/>
-          <a:p>
-            <a:r>
-              <a:rPr lang="en-US" sz="3200" dirty="0" smtClean="0"/>
-              <a:t>Content</a:t>
-            </a:r>
-          </a:p>
-          <a:p>
-            <a:endParaRPr lang="en-US" sz="3200" dirty="0"/>
-          </a:p>
-        </p:txBody>
-      </p:sp>
-    </p:spTree>
-    <p:extLst>
-      <p:ext uri="{BB962C8B-B14F-4D97-AF65-F5344CB8AC3E}">
-        <p14:creationId xmlns:p14="http://schemas.microsoft.com/office/powerpoint/2010/main" val="2108713422"/>
-      </p:ext>
-    </p:extLst>
-  </p:cSld>
-  <p:clrMapOvr>
-    <a:masterClrMapping/>
-  </p:clrMapOvr>
-  <p:timing>
-    <p:tnLst>
-      <p:par>
-        <p:cTn xmlns:p14="http://schemas.microsoft.com/office/powerpoint/2010/main" id="1" dur="indefinite" restart="never" nodeType="tmRoot"/>
-      </p:par>
-    </p:tnLst>
-  </p:timing>
-</p:sld>
-</file>
-
-<file path=ppt/slides/slide5.xml><?xml version="1.0" encoding="utf-8"?>
-<p:sld xmlns:a="http://schemas.openxmlformats.org/drawingml/2006/main" xmlns:r="http://schemas.openxmlformats.org/officeDocument/2006/relationships" xmlns:p="http://schemas.openxmlformats.org/presentationml/2006/main">
-  <p:cSld>
-    <p:spTree>
-      <p:nvGrpSpPr>
-        <p:cNvPr id="1" name=""/>
-        <p:cNvGrpSpPr/>
-        <p:nvPr/>
-      </p:nvGrpSpPr>
-      <p:grpSpPr>
-        <a:xfrm>
-          <a:off x="0" y="0"/>
-          <a:ext cx="0" cy="0"/>
-          <a:chOff x="0" y="0"/>
-          <a:chExt cx="0" cy="0"/>
-        </a:xfrm>
-      </p:grpSpPr>
-      <p:sp>
-        <p:nvSpPr>
-          <p:cNvPr id="3" name="Title 2"/>
-          <p:cNvSpPr>
-            <a:spLocks noGrp="1"/>
-          </p:cNvSpPr>
-          <p:nvPr>
-            <p:ph type="title"/>
-          </p:nvPr>
-        </p:nvSpPr>
-        <p:spPr/>
-        <p:txBody>
-          <a:bodyPr/>
-          <a:lstStyle/>
-          <a:p>
-            <a:r>
-              <a:rPr lang="en-US" dirty="0" smtClean="0"/>
-              <a:t>Title</a:t>
-            </a:r>
-            <a:endParaRPr lang="en-US" dirty="0"/>
-          </a:p>
-        </p:txBody>
-      </p:sp>
-      <p:sp>
-        <p:nvSpPr>
-          <p:cNvPr id="4" name="Content Placeholder 3"/>
-          <p:cNvSpPr>
-            <a:spLocks noGrp="1"/>
-          </p:cNvSpPr>
-          <p:nvPr>
-            <p:ph idx="1"/>
-          </p:nvPr>
-        </p:nvSpPr>
-        <p:spPr/>
-        <p:txBody>
-          <a:bodyPr>
-            <a:normAutofit/>
-          </a:bodyPr>
-          <a:lstStyle/>
-          <a:p>
-            <a:r>
-              <a:rPr lang="en-US" sz="3200" dirty="0" smtClean="0"/>
-              <a:t>Content</a:t>
-            </a:r>
-          </a:p>
-          <a:p>
-            <a:endParaRPr lang="en-US" sz="3200" dirty="0"/>
-          </a:p>
-        </p:txBody>
-      </p:sp>
-    </p:spTree>
-    <p:extLst>
-      <p:ext uri="{BB962C8B-B14F-4D97-AF65-F5344CB8AC3E}">
-        <p14:creationId xmlns:p14="http://schemas.microsoft.com/office/powerpoint/2010/main" val="2805855639"/>
-      </p:ext>
-    </p:extLst>
-  </p:cSld>
-  <p:clrMapOvr>
-    <a:masterClrMapping/>
-  </p:clrMapOvr>
-  <p:timing>
-    <p:tnLst>
-      <p:par>
-        <p:cTn xmlns:p14="http://schemas.microsoft.com/office/powerpoint/2010/main" id="1" dur="indefinite" restart="never" nodeType="tmRoot"/>
-      </p:par>
-    </p:tnLst>
-  </p:timing>
-</p:sld>
-</file>
-
-<file path=ppt/slides/slide6.xml><?xml version="1.0" encoding="utf-8"?>
-<p:sld xmlns:a="http://schemas.openxmlformats.org/drawingml/2006/main" xmlns:r="http://schemas.openxmlformats.org/officeDocument/2006/relationships" xmlns:p="http://schemas.openxmlformats.org/presentationml/2006/main">
-  <p:cSld>
-    <p:spTree>
-      <p:nvGrpSpPr>
-        <p:cNvPr id="1" name=""/>
-        <p:cNvGrpSpPr/>
-        <p:nvPr/>
-      </p:nvGrpSpPr>
-      <p:grpSpPr>
-        <a:xfrm>
-          <a:off x="0" y="0"/>
-          <a:ext cx="0" cy="0"/>
-          <a:chOff x="0" y="0"/>
-          <a:chExt cx="0" cy="0"/>
-        </a:xfrm>
-      </p:grpSpPr>
-      <p:sp>
-        <p:nvSpPr>
-          <p:cNvPr id="3" name="Title 2"/>
-          <p:cNvSpPr>
-            <a:spLocks noGrp="1"/>
-          </p:cNvSpPr>
-          <p:nvPr>
-            <p:ph type="title"/>
-          </p:nvPr>
-        </p:nvSpPr>
-        <p:spPr/>
-        <p:txBody>
-          <a:bodyPr/>
-          <a:lstStyle/>
-          <a:p>
-            <a:r>
-              <a:rPr lang="en-US" dirty="0" smtClean="0"/>
-              <a:t>Title</a:t>
-            </a:r>
-            <a:endParaRPr lang="en-US" dirty="0"/>
-          </a:p>
-        </p:txBody>
-      </p:sp>
-      <p:sp>
-        <p:nvSpPr>
-          <p:cNvPr id="4" name="Content Placeholder 3"/>
-          <p:cNvSpPr>
-            <a:spLocks noGrp="1"/>
-          </p:cNvSpPr>
-          <p:nvPr>
-            <p:ph idx="1"/>
-          </p:nvPr>
-        </p:nvSpPr>
-        <p:spPr/>
-        <p:txBody>
-          <a:bodyPr>
-            <a:normAutofit/>
-          </a:bodyPr>
-          <a:lstStyle/>
-          <a:p>
-            <a:r>
-              <a:rPr lang="en-US" sz="3200" dirty="0" smtClean="0"/>
-              <a:t>Content</a:t>
-            </a:r>
-          </a:p>
-          <a:p>
-            <a:endParaRPr lang="en-US" sz="3200" dirty="0"/>
-          </a:p>
-        </p:txBody>
-      </p:sp>
-    </p:spTree>
-    <p:extLst>
-      <p:ext uri="{BB962C8B-B14F-4D97-AF65-F5344CB8AC3E}">
-        <p14:creationId xmlns:p14="http://schemas.microsoft.com/office/powerpoint/2010/main" val="2514608167"/>
-      </p:ext>
-    </p:extLst>
-  </p:cSld>
-  <p:clrMapOvr>
-    <a:masterClrMapping/>
-  </p:clrMapOvr>
-  <p:timing>
-    <p:tnLst>
-      <p:par>
-        <p:cTn xmlns:p14="http://schemas.microsoft.com/office/powerpoint/2010/main" id="1" dur="indefinite" restart="never" nodeType="tmRoot"/>
-      </p:par>
-    </p:tnLst>
-  </p:timing>
-</p:sld>
-</file>
-
-<file path=ppt/slides/slide7.xml><?xml version="1.0" encoding="utf-8"?>
-<p:sld xmlns:a="http://schemas.openxmlformats.org/drawingml/2006/main" xmlns:r="http://schemas.openxmlformats.org/officeDocument/2006/relationships" xmlns:p="http://schemas.openxmlformats.org/presentationml/2006/main">
-  <p:cSld>
-    <p:spTree>
-      <p:nvGrpSpPr>
-        <p:cNvPr id="1" name=""/>
-        <p:cNvGrpSpPr/>
-        <p:nvPr/>
-      </p:nvGrpSpPr>
-      <p:grpSpPr>
-        <a:xfrm>
-          <a:off x="0" y="0"/>
-          <a:ext cx="0" cy="0"/>
-          <a:chOff x="0" y="0"/>
-          <a:chExt cx="0" cy="0"/>
-        </a:xfrm>
-      </p:grpSpPr>
-      <p:sp>
-        <p:nvSpPr>
-          <p:cNvPr id="303106" name="Slide Number Placeholder 3"/>
-          <p:cNvSpPr txBox="1">
-            <a:spLocks noGrp="1"/>
-          </p:cNvSpPr>
-          <p:nvPr/>
-        </p:nvSpPr>
-        <p:spPr bwMode="auto">
-          <a:xfrm>
-            <a:off x="315868" y="9189943"/>
-            <a:ext cx="866378" cy="541514"/>
-          </a:xfrm>
-          <a:prstGeom prst="rect">
-            <a:avLst/>
-          </a:prstGeom>
-          <a:noFill/>
-          <a:ln>
-            <a:miter lim="800000"/>
-            <a:headEnd/>
-            <a:tailEnd/>
-          </a:ln>
-        </p:spPr>
-        <p:txBody>
-          <a:bodyPr lIns="154707" tIns="77354" rIns="154707" bIns="77354"/>
-          <a:lstStyle/>
-          <a:p>
-            <a:pPr eaLnBrk="0" hangingPunct="0">
-              <a:defRPr/>
-            </a:pPr>
-            <a:fld id="{1BD3BB7B-F997-4B7C-BCBE-A063D59C732E}" type="slidenum">
-              <a:rPr lang="en-US" sz="1500" b="1">
-                <a:solidFill>
-                  <a:srgbClr val="7B7B7B"/>
-                </a:solidFill>
-                <a:ea typeface="ＭＳ Ｐゴシック" pitchFamily="34" charset="-128"/>
-                <a:cs typeface="+mn-cs"/>
-              </a:rPr>
-              <a:pPr eaLnBrk="0" hangingPunct="0">
-                <a:defRPr/>
-              </a:pPr>
-              <a:t>7</a:t>
-            </a:fld>
-            <a:endParaRPr lang="en-US" sz="1500" b="1" dirty="0">
-              <a:solidFill>
-                <a:srgbClr val="7B7B7B"/>
-              </a:solidFill>
-              <a:ea typeface="ＭＳ Ｐゴシック" pitchFamily="34" charset="-128"/>
-              <a:cs typeface="+mn-cs"/>
-            </a:endParaRPr>
-          </a:p>
-        </p:txBody>
-      </p:sp>
-      <p:sp>
-        <p:nvSpPr>
-          <p:cNvPr id="5" name="Text Placeholder 4"/>
-          <p:cNvSpPr>
-            <a:spLocks noGrp="1"/>
-          </p:cNvSpPr>
-          <p:nvPr>
-            <p:ph type="body" sz="quarter" idx="10"/>
-          </p:nvPr>
-        </p:nvSpPr>
-        <p:spPr/>
-        <p:txBody>
-          <a:bodyPr/>
-          <a:lstStyle/>
-          <a:p>
-            <a:r>
-              <a:rPr lang="en-US" dirty="0" smtClean="0"/>
-              <a:t>Demo 1: Constructing an API Read Request</a:t>
-            </a:r>
-          </a:p>
-        </p:txBody>
-      </p:sp>
-    </p:spTree>
-    <p:extLst>
-      <p:ext uri="{BB962C8B-B14F-4D97-AF65-F5344CB8AC3E}">
-        <p14:creationId xmlns:p14="http://schemas.microsoft.com/office/powerpoint/2010/main" val="3539376714"/>
-      </p:ext>
-    </p:extLst>
-  </p:cSld>
-  <p:clrMapOvr>
-    <a:masterClrMapping/>
-  </p:clrMapOvr>
-  <p:transition xmlns:p14="http://schemas.microsoft.com/office/powerpoint/2010/main"/>
-  <p:timing>
-    <p:tnLst>
-      <p:par>
-        <p:cTn xmlns:p14="http://schemas.microsoft.com/office/powerpoint/2010/main" id="1" dur="indefinite" restart="never" nodeType="tmRoot"/>
-      </p:par>
-    </p:tnLst>
-  </p:timing>
-</p:sld>
-</file>
-
-<file path=ppt/slides/slide8.xml><?xml version="1.0" encoding="utf-8"?>
-<p:sld xmlns:a="http://schemas.openxmlformats.org/drawingml/2006/main" xmlns:r="http://schemas.openxmlformats.org/officeDocument/2006/relationships" xmlns:p="http://schemas.openxmlformats.org/presentationml/2006/main">
-  <p:cSld>
-    <p:spTree>
-      <p:nvGrpSpPr>
-        <p:cNvPr id="1" name=""/>
-        <p:cNvGrpSpPr/>
-        <p:nvPr/>
-      </p:nvGrpSpPr>
-      <p:grpSpPr>
-        <a:xfrm>
-          <a:off x="0" y="0"/>
-          <a:ext cx="0" cy="0"/>
-          <a:chOff x="0" y="0"/>
-          <a:chExt cx="0" cy="0"/>
-        </a:xfrm>
-      </p:grpSpPr>
-      <p:sp>
-        <p:nvSpPr>
           <p:cNvPr id="3" name="Text Placeholder 2"/>
           <p:cNvSpPr>
             <a:spLocks noGrp="1"/>
@@ -6348,7 +5655,7 @@
               <a:pPr>
                 <a:defRPr/>
               </a:pPr>
-              <a:t>8</a:t>
+              <a:t>4</a:t>
             </a:fld>
             <a:endParaRPr lang="en-US" dirty="0"/>
           </a:p>
@@ -6357,20 +5664,20 @@
     </p:spTree>
     <p:extLst>
       <p:ext uri="{BB962C8B-B14F-4D97-AF65-F5344CB8AC3E}">
-        <p14:creationId xmlns:p14="http://schemas.microsoft.com/office/powerpoint/2010/main" val="3700295984"/>
+        <p14:creationId xmlns:p14="http://schemas.microsoft.com/office/powerpoint/2010/main" xmlns:p="http://schemas.openxmlformats.org/presentationml/2006/main" xmlns:r="http://schemas.openxmlformats.org/officeDocument/2006/relationships" xmlns:a="http://schemas.openxmlformats.org/drawingml/2006/main" xmlns="" val="3700295984"/>
       </p:ext>
     </p:extLst>
   </p:cSld>
   <p:clrMapOvr>
     <a:masterClrMapping/>
   </p:clrMapOvr>
-  <p:transition xmlns:p14="http://schemas.microsoft.com/office/powerpoint/2010/main" spd="med">
+  <p:transition spd="med">
     <p:fade/>
   </p:transition>
   <p:timing>
     <p:tnLst>
       <p:par>
-        <p:cTn xmlns:p14="http://schemas.microsoft.com/office/powerpoint/2010/main" id="1" dur="indefinite" restart="never" nodeType="tmRoot"/>
+        <p:cTn id="1" dur="indefinite" restart="never" nodeType="tmRoot"/>
       </p:par>
     </p:tnLst>
   </p:timing>

--- a/VideoSessionsMaterials/creating-read-requests.pptx
+++ b/VideoSessionsMaterials/creating-read-requests.pptx
@@ -1,6 +1,6 @@
 
 <file path=ppt/presentation.xml><?xml version="1.0" encoding="utf-8"?>
-<p:presentation xmlns:a="http://schemas.openxmlformats.org/drawingml/2006/main" xmlns:r="http://schemas.openxmlformats.org/officeDocument/2006/relationships" xmlns:mc="http://schemas.openxmlformats.org/markup-compatibility/2006" xmlns:mv="urn:schemas-microsoft-com:mac:vml" xmlns:p="http://schemas.openxmlformats.org/presentationml/2006/main" mc:Ignorable="mv" mc:PreserveAttributes="mv:*" showSpecialPlsOnTitleSld="0" saveSubsetFonts="1" autoCompressPictures="0">
+<p:presentation xmlns:a="http://schemas.openxmlformats.org/drawingml/2006/main" xmlns:r="http://schemas.openxmlformats.org/officeDocument/2006/relationships" xmlns:p="http://schemas.openxmlformats.org/presentationml/2006/main" showSpecialPlsOnTitleSld="0" saveSubsetFonts="1" autoCompressPictures="0">
   <p:sldMasterIdLst>
     <p:sldMasterId id="2147483648" r:id="rId1"/>
   </p:sldMasterIdLst>
@@ -144,7 +144,7 @@
 </file>
 
 <file path=ppt/notesMasters/notesMaster1.xml><?xml version="1.0" encoding="utf-8"?>
-<p:notesMaster xmlns:a="http://schemas.openxmlformats.org/drawingml/2006/main" xmlns:r="http://schemas.openxmlformats.org/officeDocument/2006/relationships" xmlns:mc="http://schemas.openxmlformats.org/markup-compatibility/2006" xmlns:mv="urn:schemas-microsoft-com:mac:vml" xmlns:p="http://schemas.openxmlformats.org/presentationml/2006/main" mc:Ignorable="mv" mc:PreserveAttributes="mv:*">
+<p:notesMaster xmlns:a="http://schemas.openxmlformats.org/drawingml/2006/main" xmlns:r="http://schemas.openxmlformats.org/officeDocument/2006/relationships" xmlns:p="http://schemas.openxmlformats.org/presentationml/2006/main">
   <p:cSld>
     <p:bg>
       <p:bgRef idx="1001">
@@ -226,7 +226,7 @@
             <a:fld id="{DDC063FE-8627-9A42-970F-0BBEEB02B587}" type="datetimeFigureOut">
               <a:rPr lang="en-US" smtClean="0"/>
               <a:pPr/>
-              <a:t>12/6/13</a:t>
+              <a:t>12/9/13</a:t>
             </a:fld>
             <a:endParaRPr lang="en-US" dirty="0"/>
           </a:p>
@@ -395,7 +395,7 @@
     </p:spTree>
     <p:extLst>
       <p:ext uri="{BB962C8B-B14F-4D97-AF65-F5344CB8AC3E}">
-        <p14:creationId xmlns:p14="http://schemas.microsoft.com/office/powerpoint/2010/main" xmlns:p="http://schemas.openxmlformats.org/presentationml/2006/main" xmlns:r="http://schemas.openxmlformats.org/officeDocument/2006/relationships" xmlns:a="http://schemas.openxmlformats.org/drawingml/2006/main" xmlns="" val="4045051341"/>
+        <p14:creationId xmlns:p14="http://schemas.microsoft.com/office/powerpoint/2010/main" val="4045051341"/>
       </p:ext>
     </p:extLst>
   </p:cSld>
@@ -496,7 +496,7 @@
 </file>
 
 <file path=ppt/notesSlides/notesSlide1.xml><?xml version="1.0" encoding="utf-8"?>
-<p:notes xmlns:a="http://schemas.openxmlformats.org/drawingml/2006/main" xmlns:r="http://schemas.openxmlformats.org/officeDocument/2006/relationships" xmlns:mc="http://schemas.openxmlformats.org/markup-compatibility/2006" xmlns:mv="urn:schemas-microsoft-com:mac:vml" xmlns:p="http://schemas.openxmlformats.org/presentationml/2006/main" mc:Ignorable="mv" mc:PreserveAttributes="mv:*">
+<p:notes xmlns:a="http://schemas.openxmlformats.org/drawingml/2006/main" xmlns:r="http://schemas.openxmlformats.org/officeDocument/2006/relationships" xmlns:p="http://schemas.openxmlformats.org/presentationml/2006/main">
   <p:cSld>
     <p:spTree>
       <p:nvGrpSpPr>
@@ -570,7 +570,7 @@
     </p:spTree>
     <p:extLst>
       <p:ext uri="{BB962C8B-B14F-4D97-AF65-F5344CB8AC3E}">
-        <p14:creationId xmlns:p14="http://schemas.microsoft.com/office/powerpoint/2010/main" xmlns:p="http://schemas.openxmlformats.org/presentationml/2006/main" xmlns:r="http://schemas.openxmlformats.org/officeDocument/2006/relationships" xmlns:a="http://schemas.openxmlformats.org/drawingml/2006/main" xmlns="" val="3250658828"/>
+        <p14:creationId xmlns:p14="http://schemas.microsoft.com/office/powerpoint/2010/main" val="3250658828"/>
       </p:ext>
     </p:extLst>
   </p:cSld>
@@ -581,7 +581,7 @@
 </file>
 
 <file path=ppt/notesSlides/notesSlide2.xml><?xml version="1.0" encoding="utf-8"?>
-<p:notes xmlns:a="http://schemas.openxmlformats.org/drawingml/2006/main" xmlns:r="http://schemas.openxmlformats.org/officeDocument/2006/relationships" xmlns:mc="http://schemas.openxmlformats.org/markup-compatibility/2006" xmlns:mv="urn:schemas-microsoft-com:mac:vml" xmlns:p="http://schemas.openxmlformats.org/presentationml/2006/main" mc:Ignorable="mv" mc:PreserveAttributes="mv:*">
+<p:notes xmlns:a="http://schemas.openxmlformats.org/drawingml/2006/main" xmlns:r="http://schemas.openxmlformats.org/officeDocument/2006/relationships" xmlns:p="http://schemas.openxmlformats.org/presentationml/2006/main">
   <p:cSld>
     <p:spTree>
       <p:nvGrpSpPr>
@@ -619,14 +619,14 @@
           </a:ln>
           <a:extLst>
             <a:ext uri="{909E8E84-426E-40dd-AFC4-6F175D3DCCD1}">
-              <a14:hiddenFill xmlns:a14="http://schemas.microsoft.com/office/drawing/2010/main" xmlns:p="http://schemas.openxmlformats.org/presentationml/2006/main" xmlns:r="http://schemas.openxmlformats.org/officeDocument/2006/relationships" xmlns:a="http://schemas.openxmlformats.org/drawingml/2006/main" xmlns="">
+              <a14:hiddenFill xmlns:a14="http://schemas.microsoft.com/office/drawing/2010/main">
                 <a:solidFill>
                   <a:srgbClr val="FFFFFF"/>
                 </a:solidFill>
               </a14:hiddenFill>
             </a:ext>
             <a:ext uri="{FAA26D3D-D897-4be2-8F04-BA451C77F1D7}">
-              <ma14:placeholderFlag xmlns:ma14="http://schemas.microsoft.com/office/mac/drawingml/2011/main" xmlns:p="http://schemas.openxmlformats.org/presentationml/2006/main" xmlns:r="http://schemas.openxmlformats.org/officeDocument/2006/relationships" xmlns:a="http://schemas.openxmlformats.org/drawingml/2006/main" xmlns="" val="1"/>
+              <ma14:placeholderFlag xmlns:ma14="http://schemas.microsoft.com/office/mac/drawingml/2011/main" val="1"/>
             </a:ext>
           </a:extLst>
         </p:spPr>
@@ -645,14 +645,14 @@
           <a:noFill/>
           <a:extLst>
             <a:ext uri="{909E8E84-426E-40dd-AFC4-6F175D3DCCD1}">
-              <a14:hiddenFill xmlns:a14="http://schemas.microsoft.com/office/drawing/2010/main" xmlns:p="http://schemas.openxmlformats.org/presentationml/2006/main" xmlns:r="http://schemas.openxmlformats.org/officeDocument/2006/relationships" xmlns:a="http://schemas.openxmlformats.org/drawingml/2006/main" xmlns="">
+              <a14:hiddenFill xmlns:a14="http://schemas.microsoft.com/office/drawing/2010/main">
                 <a:solidFill>
                   <a:srgbClr val="FFFFFF"/>
                 </a:solidFill>
               </a14:hiddenFill>
             </a:ext>
             <a:ext uri="{91240B29-F687-4f45-9708-019B960494DF}">
-              <a14:hiddenLine xmlns:a14="http://schemas.microsoft.com/office/drawing/2010/main" xmlns:p="http://schemas.openxmlformats.org/presentationml/2006/main" xmlns:r="http://schemas.openxmlformats.org/officeDocument/2006/relationships" xmlns:a="http://schemas.openxmlformats.org/drawingml/2006/main" xmlns="" w="9525">
+              <a14:hiddenLine xmlns:a14="http://schemas.microsoft.com/office/drawing/2010/main" w="9525">
                 <a:solidFill>
                   <a:srgbClr val="000000"/>
                 </a:solidFill>
@@ -676,7 +676,7 @@
               <a:buChar char="•"/>
             </a:pPr>
             <a:r>
-              <a:rPr lang="en-US">
+              <a:rPr lang="en-US" dirty="0">
                 <a:latin typeface="Calibri" charset="0"/>
               </a:rPr>
               <a:t>base URL</a:t>
@@ -688,7 +688,7 @@
               <a:buChar char="•"/>
             </a:pPr>
             <a:r>
-              <a:rPr lang="en-US">
+              <a:rPr lang="en-US" dirty="0">
                 <a:latin typeface="Calibri" charset="0"/>
               </a:rPr>
               <a:t>token</a:t>
@@ -700,7 +700,7 @@
               <a:buChar char="•"/>
             </a:pPr>
             <a:r>
-              <a:rPr lang="en-US">
+              <a:rPr lang="en-US" dirty="0">
                 <a:latin typeface="Calibri" charset="0"/>
               </a:rPr>
               <a:t>command</a:t>
@@ -712,11 +712,20 @@
               <a:buChar char="•"/>
             </a:pPr>
             <a:r>
-              <a:rPr lang="en-US">
+              <a:rPr lang="en-US" dirty="0">
                 <a:latin typeface="Calibri" charset="0"/>
               </a:rPr>
-              <a:t>additional params</a:t>
-            </a:r>
+              <a:t>additional </a:t>
+            </a:r>
+            <a:r>
+              <a:rPr lang="en-US" dirty="0" err="1">
+                <a:latin typeface="Calibri" charset="0"/>
+              </a:rPr>
+              <a:t>params</a:t>
+            </a:r>
+            <a:endParaRPr lang="en-US" dirty="0">
+              <a:latin typeface="Calibri" charset="0"/>
+            </a:endParaRPr>
           </a:p>
           <a:p>
             <a:pPr>
@@ -724,7 +733,7 @@
               <a:buChar char="•"/>
             </a:pPr>
             <a:r>
-              <a:rPr lang="en-US">
+              <a:rPr lang="en-US" dirty="0">
                 <a:latin typeface="Calibri" charset="0"/>
               </a:rPr>
               <a:t>all together now</a:t>
@@ -741,7 +750,7 @@
 </file>
 
 <file path=ppt/notesSlides/notesSlide3.xml><?xml version="1.0" encoding="utf-8"?>
-<p:notes xmlns:a="http://schemas.openxmlformats.org/drawingml/2006/main" xmlns:r="http://schemas.openxmlformats.org/officeDocument/2006/relationships" xmlns:mc="http://schemas.openxmlformats.org/markup-compatibility/2006" xmlns:mv="urn:schemas-microsoft-com:mac:vml" xmlns:p="http://schemas.openxmlformats.org/presentationml/2006/main" mc:Ignorable="mv" mc:PreserveAttributes="mv:*">
+<p:notes xmlns:a="http://schemas.openxmlformats.org/drawingml/2006/main" xmlns:r="http://schemas.openxmlformats.org/officeDocument/2006/relationships" xmlns:p="http://schemas.openxmlformats.org/presentationml/2006/main">
   <p:cSld>
     <p:spTree>
       <p:nvGrpSpPr>
@@ -852,7 +861,7 @@
 </file>
 
 <file path=ppt/notesSlides/notesSlide4.xml><?xml version="1.0" encoding="utf-8"?>
-<p:notes xmlns:a="http://schemas.openxmlformats.org/drawingml/2006/main" xmlns:r="http://schemas.openxmlformats.org/officeDocument/2006/relationships" xmlns:mc="http://schemas.openxmlformats.org/markup-compatibility/2006" xmlns:mv="urn:schemas-microsoft-com:mac:vml" xmlns:p="http://schemas.openxmlformats.org/presentationml/2006/main" mc:Ignorable="mv" mc:PreserveAttributes="mv:*">
+<p:notes xmlns:a="http://schemas.openxmlformats.org/drawingml/2006/main" xmlns:r="http://schemas.openxmlformats.org/officeDocument/2006/relationships" xmlns:p="http://schemas.openxmlformats.org/presentationml/2006/main">
   <p:cSld>
     <p:spTree>
       <p:nvGrpSpPr>
@@ -926,7 +935,7 @@
     </p:spTree>
     <p:extLst>
       <p:ext uri="{BB962C8B-B14F-4D97-AF65-F5344CB8AC3E}">
-        <p14:creationId xmlns:p14="http://schemas.microsoft.com/office/powerpoint/2010/main" xmlns:p="http://schemas.openxmlformats.org/presentationml/2006/main" xmlns:r="http://schemas.openxmlformats.org/officeDocument/2006/relationships" xmlns:a="http://schemas.openxmlformats.org/drawingml/2006/main" xmlns="" val="1443086944"/>
+        <p14:creationId xmlns:p14="http://schemas.microsoft.com/office/powerpoint/2010/main" val="1443086944"/>
       </p:ext>
     </p:extLst>
   </p:cSld>
@@ -937,7 +946,7 @@
 </file>
 
 <file path=ppt/slideLayouts/slideLayout1.xml><?xml version="1.0" encoding="utf-8"?>
-<p:sldLayout xmlns:a="http://schemas.openxmlformats.org/drawingml/2006/main" xmlns:r="http://schemas.openxmlformats.org/officeDocument/2006/relationships" xmlns:mc="http://schemas.openxmlformats.org/markup-compatibility/2006" xmlns:mv="urn:schemas-microsoft-com:mac:vml" xmlns:p="http://schemas.openxmlformats.org/presentationml/2006/main" mc:Ignorable="mv" mc:PreserveAttributes="mv:*" type="title" preserve="1">
+<p:sldLayout xmlns:a="http://schemas.openxmlformats.org/drawingml/2006/main" xmlns:r="http://schemas.openxmlformats.org/officeDocument/2006/relationships" xmlns:p="http://schemas.openxmlformats.org/presentationml/2006/main" type="title" preserve="1">
   <p:cSld name="Title Slide">
     <p:bg>
       <p:bgPr>
@@ -1161,7 +1170,7 @@
 </file>
 
 <file path=ppt/slideLayouts/slideLayout10.xml><?xml version="1.0" encoding="utf-8"?>
-<p:sldLayout xmlns:a="http://schemas.openxmlformats.org/drawingml/2006/main" xmlns:r="http://schemas.openxmlformats.org/officeDocument/2006/relationships" xmlns:mc="http://schemas.openxmlformats.org/markup-compatibility/2006" xmlns:mv="urn:schemas-microsoft-com:mac:vml" xmlns:p="http://schemas.openxmlformats.org/presentationml/2006/main" mc:Ignorable="mv" mc:PreserveAttributes="mv:*" preserve="1" userDrawn="1">
+<p:sldLayout xmlns:a="http://schemas.openxmlformats.org/drawingml/2006/main" xmlns:r="http://schemas.openxmlformats.org/officeDocument/2006/relationships" xmlns:p="http://schemas.openxmlformats.org/presentationml/2006/main" preserve="1" userDrawn="1">
   <p:cSld name="Impact Slide - Pink">
     <p:bg>
       <p:bgPr>
@@ -1234,7 +1243,7 @@
 </file>
 
 <file path=ppt/slideLayouts/slideLayout11.xml><?xml version="1.0" encoding="utf-8"?>
-<p:sldLayout xmlns:a="http://schemas.openxmlformats.org/drawingml/2006/main" xmlns:r="http://schemas.openxmlformats.org/officeDocument/2006/relationships" xmlns:mc="http://schemas.openxmlformats.org/markup-compatibility/2006" xmlns:mv="urn:schemas-microsoft-com:mac:vml" xmlns:p="http://schemas.openxmlformats.org/presentationml/2006/main" mc:Ignorable="mv" mc:PreserveAttributes="mv:*" preserve="1" userDrawn="1">
+<p:sldLayout xmlns:a="http://schemas.openxmlformats.org/drawingml/2006/main" xmlns:r="http://schemas.openxmlformats.org/officeDocument/2006/relationships" xmlns:p="http://schemas.openxmlformats.org/presentationml/2006/main" preserve="1" userDrawn="1">
   <p:cSld name="Quote Slide - Neutral">
     <p:bg>
       <p:bgPr>
@@ -1393,7 +1402,7 @@
 </file>
 
 <file path=ppt/slideLayouts/slideLayout12.xml><?xml version="1.0" encoding="utf-8"?>
-<p:sldLayout xmlns:a="http://schemas.openxmlformats.org/drawingml/2006/main" xmlns:r="http://schemas.openxmlformats.org/officeDocument/2006/relationships" xmlns:mc="http://schemas.openxmlformats.org/markup-compatibility/2006" xmlns:mv="urn:schemas-microsoft-com:mac:vml" xmlns:p="http://schemas.openxmlformats.org/presentationml/2006/main" mc:Ignorable="mv" mc:PreserveAttributes="mv:*" preserve="1" userDrawn="1">
+<p:sldLayout xmlns:a="http://schemas.openxmlformats.org/drawingml/2006/main" xmlns:r="http://schemas.openxmlformats.org/officeDocument/2006/relationships" xmlns:p="http://schemas.openxmlformats.org/presentationml/2006/main" preserve="1" userDrawn="1">
   <p:cSld name="Quote Slide - Teal">
     <p:bg>
       <p:bgPr>
@@ -1546,7 +1555,7 @@
 </file>
 
 <file path=ppt/slideLayouts/slideLayout13.xml><?xml version="1.0" encoding="utf-8"?>
-<p:sldLayout xmlns:a="http://schemas.openxmlformats.org/drawingml/2006/main" xmlns:r="http://schemas.openxmlformats.org/officeDocument/2006/relationships" xmlns:mc="http://schemas.openxmlformats.org/markup-compatibility/2006" xmlns:mv="urn:schemas-microsoft-com:mac:vml" xmlns:p="http://schemas.openxmlformats.org/presentationml/2006/main" mc:Ignorable="mv" mc:PreserveAttributes="mv:*" preserve="1" userDrawn="1">
+<p:sldLayout xmlns:a="http://schemas.openxmlformats.org/drawingml/2006/main" xmlns:r="http://schemas.openxmlformats.org/officeDocument/2006/relationships" xmlns:p="http://schemas.openxmlformats.org/presentationml/2006/main" preserve="1" userDrawn="1">
   <p:cSld name="Quote Slide - Green">
     <p:bg>
       <p:bgPr>
@@ -1699,7 +1708,7 @@
 </file>
 
 <file path=ppt/slideLayouts/slideLayout14.xml><?xml version="1.0" encoding="utf-8"?>
-<p:sldLayout xmlns:a="http://schemas.openxmlformats.org/drawingml/2006/main" xmlns:r="http://schemas.openxmlformats.org/officeDocument/2006/relationships" xmlns:mc="http://schemas.openxmlformats.org/markup-compatibility/2006" xmlns:mv="urn:schemas-microsoft-com:mac:vml" xmlns:p="http://schemas.openxmlformats.org/presentationml/2006/main" mc:Ignorable="mv" mc:PreserveAttributes="mv:*" preserve="1" userDrawn="1">
+<p:sldLayout xmlns:a="http://schemas.openxmlformats.org/drawingml/2006/main" xmlns:r="http://schemas.openxmlformats.org/officeDocument/2006/relationships" xmlns:p="http://schemas.openxmlformats.org/presentationml/2006/main" preserve="1" userDrawn="1">
   <p:cSld name="Orange Quote Slide">
     <p:bg>
       <p:bgPr>
@@ -1852,7 +1861,7 @@
 </file>
 
 <file path=ppt/slideLayouts/slideLayout15.xml><?xml version="1.0" encoding="utf-8"?>
-<p:sldLayout xmlns:a="http://schemas.openxmlformats.org/drawingml/2006/main" xmlns:r="http://schemas.openxmlformats.org/officeDocument/2006/relationships" xmlns:mc="http://schemas.openxmlformats.org/markup-compatibility/2006" xmlns:mv="urn:schemas-microsoft-com:mac:vml" xmlns:p="http://schemas.openxmlformats.org/presentationml/2006/main" mc:Ignorable="mv" mc:PreserveAttributes="mv:*" preserve="1" userDrawn="1">
+<p:sldLayout xmlns:a="http://schemas.openxmlformats.org/drawingml/2006/main" xmlns:r="http://schemas.openxmlformats.org/officeDocument/2006/relationships" xmlns:p="http://schemas.openxmlformats.org/presentationml/2006/main" preserve="1" userDrawn="1">
   <p:cSld name="Quote Slide - Pink">
     <p:bg>
       <p:bgPr>
@@ -2005,7 +2014,7 @@
 </file>
 
 <file path=ppt/slideLayouts/slideLayout16.xml><?xml version="1.0" encoding="utf-8"?>
-<p:sldLayout xmlns:a="http://schemas.openxmlformats.org/drawingml/2006/main" xmlns:r="http://schemas.openxmlformats.org/officeDocument/2006/relationships" xmlns:mc="http://schemas.openxmlformats.org/markup-compatibility/2006" xmlns:mv="urn:schemas-microsoft-com:mac:vml" xmlns:p="http://schemas.openxmlformats.org/presentationml/2006/main" mc:Ignorable="mv" mc:PreserveAttributes="mv:*" preserve="1" userDrawn="1">
+<p:sldLayout xmlns:a="http://schemas.openxmlformats.org/drawingml/2006/main" xmlns:r="http://schemas.openxmlformats.org/officeDocument/2006/relationships" xmlns:p="http://schemas.openxmlformats.org/presentationml/2006/main" preserve="1" userDrawn="1">
   <p:cSld name="Thank You - Teal">
     <p:bg>
       <p:bgPr>
@@ -2136,7 +2145,7 @@
 </file>
 
 <file path=ppt/slideLayouts/slideLayout17.xml><?xml version="1.0" encoding="utf-8"?>
-<p:sldLayout xmlns:a="http://schemas.openxmlformats.org/drawingml/2006/main" xmlns:r="http://schemas.openxmlformats.org/officeDocument/2006/relationships" xmlns:mc="http://schemas.openxmlformats.org/markup-compatibility/2006" xmlns:mv="urn:schemas-microsoft-com:mac:vml" xmlns:p="http://schemas.openxmlformats.org/presentationml/2006/main" mc:Ignorable="mv" mc:PreserveAttributes="mv:*" preserve="1" userDrawn="1">
+<p:sldLayout xmlns:a="http://schemas.openxmlformats.org/drawingml/2006/main" xmlns:r="http://schemas.openxmlformats.org/officeDocument/2006/relationships" xmlns:p="http://schemas.openxmlformats.org/presentationml/2006/main" preserve="1" userDrawn="1">
   <p:cSld name="Thank You - Green">
     <p:bg>
       <p:bgPr>
@@ -2267,7 +2276,7 @@
 </file>
 
 <file path=ppt/slideLayouts/slideLayout18.xml><?xml version="1.0" encoding="utf-8"?>
-<p:sldLayout xmlns:a="http://schemas.openxmlformats.org/drawingml/2006/main" xmlns:r="http://schemas.openxmlformats.org/officeDocument/2006/relationships" xmlns:mc="http://schemas.openxmlformats.org/markup-compatibility/2006" xmlns:mv="urn:schemas-microsoft-com:mac:vml" xmlns:p="http://schemas.openxmlformats.org/presentationml/2006/main" mc:Ignorable="mv" mc:PreserveAttributes="mv:*" userDrawn="1">
+<p:sldLayout xmlns:a="http://schemas.openxmlformats.org/drawingml/2006/main" xmlns:r="http://schemas.openxmlformats.org/officeDocument/2006/relationships" xmlns:p="http://schemas.openxmlformats.org/presentationml/2006/main" userDrawn="1">
   <p:cSld name="Thank You - Orange">
     <p:bg>
       <p:bgPr>
@@ -2398,7 +2407,7 @@
 </file>
 
 <file path=ppt/slideLayouts/slideLayout19.xml><?xml version="1.0" encoding="utf-8"?>
-<p:sldLayout xmlns:a="http://schemas.openxmlformats.org/drawingml/2006/main" xmlns:r="http://schemas.openxmlformats.org/officeDocument/2006/relationships" xmlns:mc="http://schemas.openxmlformats.org/markup-compatibility/2006" xmlns:mv="urn:schemas-microsoft-com:mac:vml" xmlns:p="http://schemas.openxmlformats.org/presentationml/2006/main" mc:Ignorable="mv" mc:PreserveAttributes="mv:*" userDrawn="1">
+<p:sldLayout xmlns:a="http://schemas.openxmlformats.org/drawingml/2006/main" xmlns:r="http://schemas.openxmlformats.org/officeDocument/2006/relationships" xmlns:p="http://schemas.openxmlformats.org/presentationml/2006/main" userDrawn="1">
   <p:cSld name="Thank You - Pink">
     <p:bg>
       <p:bgPr>
@@ -2529,7 +2538,7 @@
 </file>
 
 <file path=ppt/slideLayouts/slideLayout2.xml><?xml version="1.0" encoding="utf-8"?>
-<p:sldLayout xmlns:a="http://schemas.openxmlformats.org/drawingml/2006/main" xmlns:r="http://schemas.openxmlformats.org/officeDocument/2006/relationships" xmlns:mc="http://schemas.openxmlformats.org/markup-compatibility/2006" xmlns:mv="urn:schemas-microsoft-com:mac:vml" xmlns:p="http://schemas.openxmlformats.org/presentationml/2006/main" mc:Ignorable="mv" mc:PreserveAttributes="mv:*" preserve="1" userDrawn="1">
+<p:sldLayout xmlns:a="http://schemas.openxmlformats.org/drawingml/2006/main" xmlns:r="http://schemas.openxmlformats.org/officeDocument/2006/relationships" xmlns:p="http://schemas.openxmlformats.org/presentationml/2006/main" preserve="1" userDrawn="1">
   <p:cSld name="Title and Single Element">
     <p:spTree>
       <p:nvGrpSpPr>
@@ -2860,7 +2869,7 @@
 </file>
 
 <file path=ppt/slideLayouts/slideLayout3.xml><?xml version="1.0" encoding="utf-8"?>
-<p:sldLayout xmlns:a="http://schemas.openxmlformats.org/drawingml/2006/main" xmlns:r="http://schemas.openxmlformats.org/officeDocument/2006/relationships" xmlns:mc="http://schemas.openxmlformats.org/markup-compatibility/2006" xmlns:mv="urn:schemas-microsoft-com:mac:vml" xmlns:p="http://schemas.openxmlformats.org/presentationml/2006/main" mc:Ignorable="mv" mc:PreserveAttributes="mv:*" preserve="1" userDrawn="1">
+<p:sldLayout xmlns:a="http://schemas.openxmlformats.org/drawingml/2006/main" xmlns:r="http://schemas.openxmlformats.org/officeDocument/2006/relationships" xmlns:p="http://schemas.openxmlformats.org/presentationml/2006/main" preserve="1" userDrawn="1">
   <p:cSld name="Title and Two Element">
     <p:spTree>
       <p:nvGrpSpPr>
@@ -3252,7 +3261,7 @@
 </file>
 
 <file path=ppt/slideLayouts/slideLayout4.xml><?xml version="1.0" encoding="utf-8"?>
-<p:sldLayout xmlns:a="http://schemas.openxmlformats.org/drawingml/2006/main" xmlns:r="http://schemas.openxmlformats.org/officeDocument/2006/relationships" xmlns:mc="http://schemas.openxmlformats.org/markup-compatibility/2006" xmlns:mv="urn:schemas-microsoft-com:mac:vml" xmlns:p="http://schemas.openxmlformats.org/presentationml/2006/main" mc:Ignorable="mv" mc:PreserveAttributes="mv:*" preserve="1" userDrawn="1">
+<p:sldLayout xmlns:a="http://schemas.openxmlformats.org/drawingml/2006/main" xmlns:r="http://schemas.openxmlformats.org/officeDocument/2006/relationships" xmlns:p="http://schemas.openxmlformats.org/presentationml/2006/main" preserve="1" userDrawn="1">
   <p:cSld name="Title Only and Blank">
     <p:spTree>
       <p:nvGrpSpPr>
@@ -3526,7 +3535,7 @@
 </file>
 
 <file path=ppt/slideLayouts/slideLayout5.xml><?xml version="1.0" encoding="utf-8"?>
-<p:sldLayout xmlns:a="http://schemas.openxmlformats.org/drawingml/2006/main" xmlns:r="http://schemas.openxmlformats.org/officeDocument/2006/relationships" xmlns:mc="http://schemas.openxmlformats.org/markup-compatibility/2006" xmlns:mv="urn:schemas-microsoft-com:mac:vml" xmlns:p="http://schemas.openxmlformats.org/presentationml/2006/main" mc:Ignorable="mv" mc:PreserveAttributes="mv:*" userDrawn="1">
+<p:sldLayout xmlns:a="http://schemas.openxmlformats.org/drawingml/2006/main" xmlns:r="http://schemas.openxmlformats.org/officeDocument/2006/relationships" xmlns:p="http://schemas.openxmlformats.org/presentationml/2006/main" userDrawn="1">
   <p:cSld name="Left Text and Right Image">
     <p:spTree>
       <p:nvGrpSpPr>
@@ -3887,7 +3896,7 @@
 </file>
 
 <file path=ppt/slideLayouts/slideLayout6.xml><?xml version="1.0" encoding="utf-8"?>
-<p:sldLayout xmlns:a="http://schemas.openxmlformats.org/drawingml/2006/main" xmlns:r="http://schemas.openxmlformats.org/officeDocument/2006/relationships" xmlns:mc="http://schemas.openxmlformats.org/markup-compatibility/2006" xmlns:mv="urn:schemas-microsoft-com:mac:vml" xmlns:p="http://schemas.openxmlformats.org/presentationml/2006/main" mc:Ignorable="mv" mc:PreserveAttributes="mv:*" preserve="1" userDrawn="1">
+<p:sldLayout xmlns:a="http://schemas.openxmlformats.org/drawingml/2006/main" xmlns:r="http://schemas.openxmlformats.org/officeDocument/2006/relationships" xmlns:p="http://schemas.openxmlformats.org/presentationml/2006/main" preserve="1" userDrawn="1">
   <p:cSld name="Left Image and Right Text">
     <p:spTree>
       <p:nvGrpSpPr>
@@ -4248,7 +4257,7 @@
 </file>
 
 <file path=ppt/slideLayouts/slideLayout7.xml><?xml version="1.0" encoding="utf-8"?>
-<p:sldLayout xmlns:a="http://schemas.openxmlformats.org/drawingml/2006/main" xmlns:r="http://schemas.openxmlformats.org/officeDocument/2006/relationships" xmlns:mc="http://schemas.openxmlformats.org/markup-compatibility/2006" xmlns:mv="urn:schemas-microsoft-com:mac:vml" xmlns:p="http://schemas.openxmlformats.org/presentationml/2006/main" mc:Ignorable="mv" mc:PreserveAttributes="mv:*" preserve="1" userDrawn="1">
+<p:sldLayout xmlns:a="http://schemas.openxmlformats.org/drawingml/2006/main" xmlns:r="http://schemas.openxmlformats.org/officeDocument/2006/relationships" xmlns:p="http://schemas.openxmlformats.org/presentationml/2006/main" preserve="1" userDrawn="1">
   <p:cSld name="Impact Slide - Teal">
     <p:bg>
       <p:bgPr>
@@ -4343,7 +4352,7 @@
 </file>
 
 <file path=ppt/slideLayouts/slideLayout8.xml><?xml version="1.0" encoding="utf-8"?>
-<p:sldLayout xmlns:a="http://schemas.openxmlformats.org/drawingml/2006/main" xmlns:r="http://schemas.openxmlformats.org/officeDocument/2006/relationships" xmlns:mc="http://schemas.openxmlformats.org/markup-compatibility/2006" xmlns:mv="urn:schemas-microsoft-com:mac:vml" xmlns:p="http://schemas.openxmlformats.org/presentationml/2006/main" mc:Ignorable="mv" mc:PreserveAttributes="mv:*" preserve="1" userDrawn="1">
+<p:sldLayout xmlns:a="http://schemas.openxmlformats.org/drawingml/2006/main" xmlns:r="http://schemas.openxmlformats.org/officeDocument/2006/relationships" xmlns:p="http://schemas.openxmlformats.org/presentationml/2006/main" preserve="1" userDrawn="1">
   <p:cSld name="Impact Slide - Green">
     <p:bg>
       <p:bgPr>
@@ -4438,7 +4447,7 @@
 </file>
 
 <file path=ppt/slideLayouts/slideLayout9.xml><?xml version="1.0" encoding="utf-8"?>
-<p:sldLayout xmlns:a="http://schemas.openxmlformats.org/drawingml/2006/main" xmlns:r="http://schemas.openxmlformats.org/officeDocument/2006/relationships" xmlns:mc="http://schemas.openxmlformats.org/markup-compatibility/2006" xmlns:mv="urn:schemas-microsoft-com:mac:vml" xmlns:p="http://schemas.openxmlformats.org/presentationml/2006/main" mc:Ignorable="mv" mc:PreserveAttributes="mv:*" preserve="1" userDrawn="1">
+<p:sldLayout xmlns:a="http://schemas.openxmlformats.org/drawingml/2006/main" xmlns:r="http://schemas.openxmlformats.org/officeDocument/2006/relationships" xmlns:p="http://schemas.openxmlformats.org/presentationml/2006/main" preserve="1" userDrawn="1">
   <p:cSld name="Impact Slide - Orange">
     <p:bg>
       <p:bgPr>
@@ -4533,7 +4542,7 @@
 </file>
 
 <file path=ppt/slideMasters/slideMaster1.xml><?xml version="1.0" encoding="utf-8"?>
-<p:sldMaster xmlns:a="http://schemas.openxmlformats.org/drawingml/2006/main" xmlns:r="http://schemas.openxmlformats.org/officeDocument/2006/relationships" xmlns:mc="http://schemas.openxmlformats.org/markup-compatibility/2006" xmlns:mv="urn:schemas-microsoft-com:mac:vml" xmlns:p="http://schemas.openxmlformats.org/presentationml/2006/main" mc:Ignorable="mv" mc:PreserveAttributes="mv:*">
+<p:sldMaster xmlns:a="http://schemas.openxmlformats.org/drawingml/2006/main" xmlns:r="http://schemas.openxmlformats.org/officeDocument/2006/relationships" xmlns:p="http://schemas.openxmlformats.org/presentationml/2006/main">
   <p:cSld>
     <p:bg>
       <p:bgPr>
@@ -5155,7 +5164,7 @@
 </file>
 
 <file path=ppt/slides/slide1.xml><?xml version="1.0" encoding="utf-8"?>
-<p:sld xmlns:a="http://schemas.openxmlformats.org/drawingml/2006/main" xmlns:r="http://schemas.openxmlformats.org/officeDocument/2006/relationships" xmlns:mc="http://schemas.openxmlformats.org/markup-compatibility/2006" xmlns:mv="urn:schemas-microsoft-com:mac:vml" xmlns:p="http://schemas.openxmlformats.org/presentationml/2006/main" mc:Ignorable="mv" mc:PreserveAttributes="mv:*">
+<p:sld xmlns:a="http://schemas.openxmlformats.org/drawingml/2006/main" xmlns:r="http://schemas.openxmlformats.org/officeDocument/2006/relationships" xmlns:p="http://schemas.openxmlformats.org/presentationml/2006/main">
   <p:cSld>
     <p:spTree>
       <p:nvGrpSpPr>
@@ -5235,20 +5244,20 @@
     </p:spTree>
     <p:extLst>
       <p:ext uri="{BB962C8B-B14F-4D97-AF65-F5344CB8AC3E}">
-        <p14:creationId xmlns:p14="http://schemas.microsoft.com/office/powerpoint/2010/main" xmlns:p="http://schemas.openxmlformats.org/presentationml/2006/main" xmlns:r="http://schemas.openxmlformats.org/officeDocument/2006/relationships" xmlns:a="http://schemas.openxmlformats.org/drawingml/2006/main" xmlns="" val="2352184382"/>
+        <p14:creationId xmlns:p14="http://schemas.microsoft.com/office/powerpoint/2010/main" val="2352184382"/>
       </p:ext>
     </p:extLst>
   </p:cSld>
   <p:clrMapOvr>
     <a:masterClrMapping/>
   </p:clrMapOvr>
-  <p:transition spd="med">
+  <p:transition xmlns:p14="http://schemas.microsoft.com/office/powerpoint/2010/main" spd="med">
     <p:fade/>
   </p:transition>
   <p:timing>
     <p:tnLst>
       <p:par>
-        <p:cTn id="1" dur="indefinite" restart="never" nodeType="tmRoot"/>
+        <p:cTn xmlns:p14="http://schemas.microsoft.com/office/powerpoint/2010/main" id="1" dur="indefinite" restart="never" nodeType="tmRoot"/>
       </p:par>
     </p:tnLst>
   </p:timing>
@@ -5256,7 +5265,7 @@
 </file>
 
 <file path=ppt/slides/slide2.xml><?xml version="1.0" encoding="utf-8"?>
-<p:sld xmlns:a="http://schemas.openxmlformats.org/drawingml/2006/main" xmlns:r="http://schemas.openxmlformats.org/officeDocument/2006/relationships" xmlns:mc="http://schemas.openxmlformats.org/markup-compatibility/2006" xmlns:mv="urn:schemas-microsoft-com:mac:vml" xmlns:p="http://schemas.openxmlformats.org/presentationml/2006/main" mc:Ignorable="mv" mc:PreserveAttributes="mv:*">
+<p:sld xmlns:a="http://schemas.openxmlformats.org/drawingml/2006/main" xmlns:r="http://schemas.openxmlformats.org/officeDocument/2006/relationships" xmlns:p="http://schemas.openxmlformats.org/presentationml/2006/main">
   <p:cSld>
     <p:spTree>
       <p:nvGrpSpPr>
@@ -5293,7 +5302,7 @@
           <a:lstStyle/>
           <a:p>
             <a:r>
-              <a:rPr lang="en-US">
+              <a:rPr lang="en-US" dirty="0">
                 <a:latin typeface="Arial" charset="0"/>
                 <a:ea typeface="ＭＳ Ｐゴシック" charset="0"/>
               </a:rPr>
@@ -5314,7 +5323,7 @@
         </p:nvSpPr>
         <p:spPr>
           <a:xfrm>
-            <a:off x="541338" y="1911350"/>
+            <a:off x="541338" y="1790390"/>
             <a:ext cx="15878175" cy="6202363"/>
           </a:xfrm>
         </p:spPr>
@@ -5323,72 +5332,291 @@
           <a:lstStyle/>
           <a:p>
             <a:r>
-              <a:rPr lang="en-US" sz="3000">
+              <a:rPr lang="en-US" sz="3200" dirty="0" smtClean="0">
                 <a:latin typeface="Arial" charset="0"/>
                 <a:ea typeface="ＭＳ Ｐゴシック" charset="0"/>
               </a:rPr>
-              <a:t>http://api.brightcove.com/services/library?</a:t>
-            </a:r>
-          </a:p>
-          <a:p>
-            <a:r>
-              <a:rPr lang="en-US" sz="3000">
+              <a:t>Elements of a request</a:t>
+            </a:r>
+          </a:p>
+          <a:p>
+            <a:pPr lvl="1"/>
+            <a:r>
+              <a:rPr lang="en-US" sz="3000" dirty="0" smtClean="0">
                 <a:latin typeface="Arial" charset="0"/>
                 <a:ea typeface="ＭＳ Ｐゴシック" charset="0"/>
               </a:rPr>
-              <a:t>token=…</a:t>
-            </a:r>
-          </a:p>
-          <a:p>
-            <a:r>
-              <a:rPr lang="en-US" sz="3000">
+              <a:t>Base URL: </a:t>
+            </a:r>
+            <a:r>
+              <a:rPr lang="en-US" sz="3000" dirty="0" smtClean="0">
+                <a:latin typeface="Source Code Pro"/>
+                <a:ea typeface="ＭＳ Ｐゴシック" charset="0"/>
+                <a:cs typeface="Source Code Pro"/>
+              </a:rPr>
+              <a:t>http</a:t>
+            </a:r>
+            <a:r>
+              <a:rPr lang="en-US" sz="3000" dirty="0">
+                <a:latin typeface="Source Code Pro"/>
+                <a:ea typeface="ＭＳ Ｐゴシック" charset="0"/>
+                <a:cs typeface="Source Code Pro"/>
+              </a:rPr>
+              <a:t>://</a:t>
+            </a:r>
+            <a:r>
+              <a:rPr lang="en-US" sz="3000" dirty="0" err="1">
+                <a:latin typeface="Source Code Pro"/>
+                <a:ea typeface="ＭＳ Ｐゴシック" charset="0"/>
+                <a:cs typeface="Source Code Pro"/>
+              </a:rPr>
+              <a:t>api.brightcove.com</a:t>
+            </a:r>
+            <a:r>
+              <a:rPr lang="en-US" sz="3000" dirty="0">
+                <a:latin typeface="Source Code Pro"/>
+                <a:ea typeface="ＭＳ Ｐゴシック" charset="0"/>
+                <a:cs typeface="Source Code Pro"/>
+              </a:rPr>
+              <a:t>/services/library?</a:t>
+            </a:r>
+          </a:p>
+          <a:p>
+            <a:pPr lvl="1"/>
+            <a:r>
+              <a:rPr lang="en-US" sz="3000" dirty="0" smtClean="0">
                 <a:latin typeface="Arial" charset="0"/>
                 <a:ea typeface="ＭＳ Ｐゴシック" charset="0"/>
               </a:rPr>
-              <a:t>&amp;command=search_videos</a:t>
-            </a:r>
-          </a:p>
-          <a:p>
-            <a:r>
-              <a:rPr lang="en-US" sz="3000">
+              <a:t>Token</a:t>
+            </a:r>
+            <a:r>
+              <a:rPr lang="en-US" sz="3000" dirty="0" smtClean="0">
+                <a:latin typeface="Source Code Pro"/>
+                <a:ea typeface="ＭＳ Ｐゴシック" charset="0"/>
+                <a:cs typeface="Source Code Pro"/>
+              </a:rPr>
+              <a:t>: token</a:t>
+            </a:r>
+            <a:r>
+              <a:rPr lang="en-US" sz="3000" dirty="0">
+                <a:latin typeface="Source Code Pro"/>
+                <a:ea typeface="ＭＳ Ｐゴシック" charset="0"/>
+                <a:cs typeface="Source Code Pro"/>
+              </a:rPr>
+              <a:t>=…</a:t>
+            </a:r>
+          </a:p>
+          <a:p>
+            <a:pPr lvl="1"/>
+            <a:r>
+              <a:rPr lang="en-US" sz="3000" dirty="0" smtClean="0">
                 <a:latin typeface="Arial" charset="0"/>
                 <a:ea typeface="ＭＳ Ｐゴシック" charset="0"/>
               </a:rPr>
-              <a:t>&amp;all=sea&amp;any=tags:fish&amp;any=bird&amp;none=videotopic:mammal</a:t>
-            </a:r>
+              <a:t>Command: </a:t>
+            </a:r>
+            <a:r>
+              <a:rPr lang="en-US" sz="3000" dirty="0" smtClean="0">
+                <a:latin typeface="Source Code Pro"/>
+                <a:ea typeface="ＭＳ Ｐゴシック" charset="0"/>
+                <a:cs typeface="Source Code Pro"/>
+              </a:rPr>
+              <a:t>&amp;</a:t>
+            </a:r>
+            <a:r>
+              <a:rPr lang="en-US" sz="3000" dirty="0">
+                <a:latin typeface="Source Code Pro"/>
+                <a:ea typeface="ＭＳ Ｐゴシック" charset="0"/>
+                <a:cs typeface="Source Code Pro"/>
+              </a:rPr>
+              <a:t>command=</a:t>
+            </a:r>
+            <a:r>
+              <a:rPr lang="en-US" sz="3000" dirty="0" err="1">
+                <a:latin typeface="Source Code Pro"/>
+                <a:ea typeface="ＭＳ Ｐゴシック" charset="0"/>
+                <a:cs typeface="Source Code Pro"/>
+              </a:rPr>
+              <a:t>search_videos</a:t>
+            </a:r>
+            <a:endParaRPr lang="en-US" sz="3000" dirty="0">
+              <a:latin typeface="Source Code Pro"/>
+              <a:ea typeface="ＭＳ Ｐゴシック" charset="0"/>
+              <a:cs typeface="Source Code Pro"/>
+            </a:endParaRPr>
           </a:p>
           <a:p>
             <a:pPr lvl="1"/>
             <a:r>
-              <a:rPr lang="en-US" sz="3000">
+              <a:rPr lang="en-US" sz="3000" dirty="0" smtClean="0">
+                <a:latin typeface="Arial" charset="0"/>
+                <a:ea typeface="ＭＳ Ｐゴシック" charset="0"/>
+              </a:rPr>
+              <a:t>Additional </a:t>
+            </a:r>
+            <a:r>
+              <a:rPr lang="en-US" sz="3000" dirty="0" err="1" smtClean="0">
+                <a:latin typeface="Arial" charset="0"/>
+                <a:ea typeface="ＭＳ Ｐゴシック" charset="0"/>
+              </a:rPr>
+              <a:t>params</a:t>
+            </a:r>
+            <a:r>
+              <a:rPr lang="en-US" sz="3000" dirty="0" smtClean="0">
+                <a:latin typeface="Arial" charset="0"/>
+                <a:ea typeface="ＭＳ Ｐゴシック" charset="0"/>
+              </a:rPr>
+              <a:t>:</a:t>
+            </a:r>
+          </a:p>
+          <a:p>
+            <a:pPr lvl="2"/>
+            <a:r>
+              <a:rPr lang="en-US" sz="3000" dirty="0" smtClean="0">
+                <a:latin typeface="Arial" charset="0"/>
+                <a:ea typeface="ＭＳ Ｐゴシック" charset="0"/>
+              </a:rPr>
+              <a:t> </a:t>
+            </a:r>
+            <a:r>
+              <a:rPr lang="en-US" sz="3000" dirty="0" smtClean="0">
+                <a:latin typeface="Source Code Pro"/>
+                <a:ea typeface="ＭＳ Ｐゴシック" charset="0"/>
+                <a:cs typeface="Source Code Pro"/>
+              </a:rPr>
+              <a:t>&amp;</a:t>
+            </a:r>
+            <a:r>
+              <a:rPr lang="en-US" sz="3000" dirty="0">
+                <a:latin typeface="Source Code Pro"/>
+                <a:ea typeface="ＭＳ Ｐゴシック" charset="0"/>
+                <a:cs typeface="Source Code Pro"/>
+              </a:rPr>
+              <a:t>all=</a:t>
+            </a:r>
+            <a:r>
+              <a:rPr lang="en-US" sz="3000" dirty="0" err="1">
+                <a:latin typeface="Source Code Pro"/>
+                <a:ea typeface="ＭＳ Ｐゴシック" charset="0"/>
+                <a:cs typeface="Source Code Pro"/>
+              </a:rPr>
+              <a:t>sea&amp;any</a:t>
+            </a:r>
+            <a:r>
+              <a:rPr lang="en-US" sz="3000" dirty="0">
+                <a:latin typeface="Source Code Pro"/>
+                <a:ea typeface="ＭＳ Ｐゴシック" charset="0"/>
+                <a:cs typeface="Source Code Pro"/>
+              </a:rPr>
+              <a:t>=</a:t>
+            </a:r>
+            <a:r>
+              <a:rPr lang="en-US" sz="3000" dirty="0" err="1">
+                <a:latin typeface="Source Code Pro"/>
+                <a:ea typeface="ＭＳ Ｐゴシック" charset="0"/>
+                <a:cs typeface="Source Code Pro"/>
+              </a:rPr>
+              <a:t>tags:fish&amp;any</a:t>
+            </a:r>
+            <a:r>
+              <a:rPr lang="en-US" sz="3000" dirty="0">
+                <a:latin typeface="Source Code Pro"/>
+                <a:ea typeface="ＭＳ Ｐゴシック" charset="0"/>
+                <a:cs typeface="Source Code Pro"/>
+              </a:rPr>
+              <a:t>=</a:t>
+            </a:r>
+            <a:r>
+              <a:rPr lang="en-US" sz="3000" dirty="0" err="1">
+                <a:latin typeface="Source Code Pro"/>
+                <a:ea typeface="ＭＳ Ｐゴシック" charset="0"/>
+                <a:cs typeface="Source Code Pro"/>
+              </a:rPr>
+              <a:t>bird&amp;none</a:t>
+            </a:r>
+            <a:r>
+              <a:rPr lang="en-US" sz="3000" dirty="0">
+                <a:latin typeface="Source Code Pro"/>
+                <a:ea typeface="ＭＳ Ｐゴシック" charset="0"/>
+                <a:cs typeface="Source Code Pro"/>
+              </a:rPr>
+              <a:t>=</a:t>
+            </a:r>
+            <a:r>
+              <a:rPr lang="en-US" sz="3000" dirty="0" err="1">
+                <a:latin typeface="Source Code Pro"/>
+                <a:ea typeface="ＭＳ Ｐゴシック" charset="0"/>
+                <a:cs typeface="Source Code Pro"/>
+              </a:rPr>
+              <a:t>videotopic:mammal</a:t>
+            </a:r>
+            <a:endParaRPr lang="en-US" sz="3000" dirty="0">
+              <a:latin typeface="Source Code Pro"/>
+              <a:ea typeface="ＭＳ Ｐゴシック" charset="0"/>
+              <a:cs typeface="Source Code Pro"/>
+            </a:endParaRPr>
+          </a:p>
+          <a:p>
+            <a:pPr lvl="2"/>
+            <a:r>
+              <a:rPr lang="en-US" sz="3000" dirty="0">
                 <a:latin typeface="Arial" charset="0"/>
                 <a:ea typeface="ＭＳ Ｐゴシック" charset="0"/>
               </a:rPr>
               <a:t>Note: if you don</a:t>
             </a:r>
             <a:r>
-              <a:rPr lang="ja-JP" altLang="en-US" sz="3000">
+              <a:rPr lang="ja-JP" altLang="en-US" sz="3000" dirty="0">
                 <a:latin typeface="Arial" charset="0"/>
                 <a:ea typeface="ＭＳ Ｐゴシック" charset="0"/>
               </a:rPr>
               <a:t>’</a:t>
             </a:r>
             <a:r>
-              <a:rPr lang="en-US" altLang="ja-JP" sz="3000">
+              <a:rPr lang="en-US" altLang="ja-JP" sz="3000" dirty="0">
                 <a:latin typeface="Arial" charset="0"/>
                 <a:ea typeface="ＭＳ Ｐゴシック" charset="0"/>
               </a:rPr>
-              <a:t>t use tags:term or customfieldname:term, the </a:t>
-            </a:r>
-            <a:r>
-              <a:rPr lang="en-US" altLang="ja-JP" sz="3000" b="1">
+              <a:t>t use </a:t>
+            </a:r>
+            <a:r>
+              <a:rPr lang="en-US" altLang="ja-JP" sz="3000" dirty="0" err="1">
+                <a:latin typeface="Arial" charset="0"/>
+                <a:ea typeface="ＭＳ Ｐゴシック" charset="0"/>
+              </a:rPr>
+              <a:t>tags:term</a:t>
+            </a:r>
+            <a:r>
+              <a:rPr lang="en-US" altLang="ja-JP" sz="3000" dirty="0">
+                <a:latin typeface="Arial" charset="0"/>
+                <a:ea typeface="ＭＳ Ｐゴシック" charset="0"/>
+              </a:rPr>
+              <a:t> or </a:t>
+            </a:r>
+            <a:r>
+              <a:rPr lang="en-US" altLang="ja-JP" sz="3000" dirty="0" err="1">
+                <a:latin typeface="Arial" charset="0"/>
+                <a:ea typeface="ＭＳ Ｐゴシック" charset="0"/>
+              </a:rPr>
+              <a:t>customfieldname:term</a:t>
+            </a:r>
+            <a:r>
+              <a:rPr lang="en-US" altLang="ja-JP" sz="3000" dirty="0">
+                <a:latin typeface="Arial" charset="0"/>
+                <a:ea typeface="ＭＳ Ｐゴシック" charset="0"/>
+              </a:rPr>
+              <a:t>, the </a:t>
+            </a:r>
+            <a:r>
+              <a:rPr lang="en-US" altLang="ja-JP" sz="3000" b="1" dirty="0">
                 <a:latin typeface="Arial" charset="0"/>
                 <a:ea typeface="ＭＳ Ｐゴシック" charset="0"/>
               </a:rPr>
               <a:t>name and short description </a:t>
             </a:r>
             <a:r>
-              <a:rPr lang="en-US" altLang="ja-JP" sz="3000">
+              <a:rPr lang="en-US" altLang="ja-JP" sz="3000" dirty="0">
                 <a:latin typeface="Arial" charset="0"/>
                 <a:ea typeface="ＭＳ Ｐゴシック" charset="0"/>
               </a:rPr>
@@ -5396,43 +5624,161 @@
             </a:r>
           </a:p>
           <a:p>
-            <a:r>
-              <a:rPr lang="en-US" sz="3000">
-                <a:latin typeface="Arial" charset="0"/>
-                <a:ea typeface="ＭＳ Ｐゴシック" charset="0"/>
+            <a:pPr lvl="2"/>
+            <a:r>
+              <a:rPr lang="en-US" sz="3000" dirty="0">
+                <a:latin typeface="Source Code Pro"/>
+                <a:ea typeface="ＭＳ Ｐゴシック" charset="0"/>
+                <a:cs typeface="Source Code Pro"/>
               </a:rPr>
-              <a:t>&amp;video_fields=id,name,customFields&amp;page_size=3&amp;get_item_count=true</a:t>
-            </a:r>
-          </a:p>
-          <a:p>
-            <a:r>
-              <a:rPr lang="en-US" sz="3000">
+              <a:t>&amp;</a:t>
+            </a:r>
+            <a:r>
+              <a:rPr lang="en-US" sz="3000" dirty="0" err="1">
+                <a:latin typeface="Source Code Pro"/>
+                <a:ea typeface="ＭＳ Ｐゴシック" charset="0"/>
+                <a:cs typeface="Source Code Pro"/>
+              </a:rPr>
+              <a:t>video_fields</a:t>
+            </a:r>
+            <a:r>
+              <a:rPr lang="en-US" sz="3000" dirty="0">
+                <a:latin typeface="Source Code Pro"/>
+                <a:ea typeface="ＭＳ Ｐゴシック" charset="0"/>
+                <a:cs typeface="Source Code Pro"/>
+              </a:rPr>
+              <a:t>=</a:t>
+            </a:r>
+            <a:r>
+              <a:rPr lang="en-US" sz="3000" dirty="0" err="1">
+                <a:latin typeface="Source Code Pro"/>
+                <a:ea typeface="ＭＳ Ｐゴシック" charset="0"/>
+                <a:cs typeface="Source Code Pro"/>
+              </a:rPr>
+              <a:t>id,name,customFields&amp;page_size</a:t>
+            </a:r>
+            <a:r>
+              <a:rPr lang="en-US" sz="3000" dirty="0">
+                <a:latin typeface="Source Code Pro"/>
+                <a:ea typeface="ＭＳ Ｐゴシック" charset="0"/>
+                <a:cs typeface="Source Code Pro"/>
+              </a:rPr>
+              <a:t>=3&amp;get_item_count=</a:t>
+            </a:r>
+            <a:r>
+              <a:rPr lang="en-US" sz="3000" dirty="0" smtClean="0">
+                <a:latin typeface="Source Code Pro"/>
+                <a:ea typeface="ＭＳ Ｐゴシック" charset="0"/>
+                <a:cs typeface="Source Code Pro"/>
+              </a:rPr>
+              <a:t>true</a:t>
+            </a:r>
+          </a:p>
+          <a:p>
+            <a:r>
+              <a:rPr lang="en-US" sz="3000" dirty="0" smtClean="0">
+                <a:latin typeface="Source Code Pro"/>
+                <a:ea typeface="ＭＳ Ｐゴシック" charset="0"/>
+                <a:cs typeface="Source Code Pro"/>
+              </a:rPr>
+              <a:t>Example: </a:t>
+            </a:r>
+            <a:r>
+              <a:rPr lang="en-US" sz="3000" dirty="0" smtClean="0">
                 <a:latin typeface="Arial" charset="0"/>
                 <a:ea typeface="ＭＳ Ｐゴシック" charset="0"/>
                 <a:hlinkClick r:id="rId3"/>
               </a:rPr>
-              <a:t>http://api.brightcove.com/services/library?command=search_videos&amp;token=DNoR-SvA5yUqX2eE6KjgefOxRzQilw..&amp;callback=BCL.onSearchResponse&amp;any=wildlife</a:t>
-            </a:r>
-            <a:endParaRPr lang="en-US" sz="3000">
+              <a:t>http</a:t>
+            </a:r>
+            <a:r>
+              <a:rPr lang="en-US" sz="3000" dirty="0">
+                <a:latin typeface="Arial" charset="0"/>
+                <a:ea typeface="ＭＳ Ｐゴシック" charset="0"/>
+                <a:hlinkClick r:id="rId3"/>
+              </a:rPr>
+              <a:t>://api.brightcove.com/services/library?command=search_videos&amp;token=DNoR-SvA5yUqX2eE6KjgefOxRzQilw..&amp;callback=BCL.onSearchResponse&amp;any=wildlife</a:t>
+            </a:r>
+            <a:endParaRPr lang="en-US" sz="3000" dirty="0">
               <a:latin typeface="Arial" charset="0"/>
               <a:ea typeface="ＭＳ Ｐゴシック" charset="0"/>
             </a:endParaRPr>
           </a:p>
           <a:p>
             <a:r>
-              <a:rPr lang="en-US" sz="3000">
+              <a:rPr lang="en-US" sz="3000" dirty="0" smtClean="0">
                 <a:latin typeface="Arial" charset="0"/>
                 <a:ea typeface="ＭＳ Ｐゴシック" charset="0"/>
               </a:rPr>
-              <a:t>parameter order does not matter</a:t>
-            </a:r>
+              <a:t>Parameter </a:t>
+            </a:r>
+            <a:r>
+              <a:rPr lang="en-US" sz="3000" dirty="0">
+                <a:latin typeface="Arial" charset="0"/>
+                <a:ea typeface="ＭＳ Ｐゴシック" charset="0"/>
+              </a:rPr>
+              <a:t>order does not matter</a:t>
+            </a:r>
+          </a:p>
+        </p:txBody>
+      </p:sp>
+      <p:sp>
+        <p:nvSpPr>
+          <p:cNvPr id="6" name="Slide Number Placeholder 3"/>
+          <p:cNvSpPr txBox="1">
+            <a:spLocks noGrp="1"/>
+          </p:cNvSpPr>
+          <p:nvPr/>
+        </p:nvSpPr>
+        <p:spPr bwMode="auto">
+          <a:xfrm>
+            <a:off x="315868" y="9189943"/>
+            <a:ext cx="866378" cy="541514"/>
+          </a:xfrm>
+          <a:prstGeom prst="rect">
+            <a:avLst/>
+          </a:prstGeom>
+          <a:noFill/>
+          <a:ln>
+            <a:miter lim="800000"/>
+            <a:headEnd/>
+            <a:tailEnd/>
+          </a:ln>
+        </p:spPr>
+        <p:txBody>
+          <a:bodyPr lIns="154707" tIns="77354" rIns="154707" bIns="77354"/>
+          <a:lstStyle/>
+          <a:p>
+            <a:pPr eaLnBrk="0" hangingPunct="0">
+              <a:defRPr/>
+            </a:pPr>
+            <a:fld id="{1BD3BB7B-F997-4B7C-BCBE-A063D59C732E}" type="slidenum">
+              <a:rPr lang="en-US" sz="1500" b="1">
+                <a:solidFill>
+                  <a:srgbClr val="7B7B7B"/>
+                </a:solidFill>
+                <a:ea typeface="ＭＳ Ｐゴシック" pitchFamily="34" charset="-128"/>
+                <a:cs typeface="+mn-cs"/>
+              </a:rPr>
+              <a:pPr eaLnBrk="0" hangingPunct="0">
+                <a:defRPr/>
+              </a:pPr>
+              <a:t>2</a:t>
+            </a:fld>
+            <a:endParaRPr lang="en-US" sz="1500" b="1" dirty="0">
+              <a:solidFill>
+                <a:srgbClr val="7B7B7B"/>
+              </a:solidFill>
+              <a:ea typeface="ＭＳ Ｐゴシック" pitchFamily="34" charset="-128"/>
+              <a:cs typeface="+mn-cs"/>
+            </a:endParaRPr>
           </a:p>
         </p:txBody>
       </p:sp>
     </p:spTree>
     <p:extLst>
       <p:ext uri="{BB962C8B-B14F-4D97-AF65-F5344CB8AC3E}">
-        <p14:creationId xmlns:p14="http://schemas.microsoft.com/office/powerpoint/2010/main" xmlns:p="http://schemas.openxmlformats.org/presentationml/2006/main" xmlns:r="http://schemas.openxmlformats.org/officeDocument/2006/relationships" xmlns:a="http://schemas.openxmlformats.org/drawingml/2006/main" xmlns="" val="2496601739"/>
+        <p14:creationId xmlns:p14="http://schemas.microsoft.com/office/powerpoint/2010/main" val="2496601739"/>
       </p:ext>
     </p:extLst>
   </p:cSld>
@@ -5442,7 +5788,7 @@
   <p:timing>
     <p:tnLst>
       <p:par>
-        <p:cTn id="1" dur="indefinite" restart="never" nodeType="tmRoot"/>
+        <p:cTn xmlns:p14="http://schemas.microsoft.com/office/powerpoint/2010/main" id="1" dur="indefinite" restart="never" nodeType="tmRoot"/>
       </p:par>
     </p:tnLst>
   </p:timing>
@@ -5450,7 +5796,7 @@
 </file>
 
 <file path=ppt/slides/slide3.xml><?xml version="1.0" encoding="utf-8"?>
-<p:sld xmlns:a="http://schemas.openxmlformats.org/drawingml/2006/main" xmlns:r="http://schemas.openxmlformats.org/officeDocument/2006/relationships" xmlns:mc="http://schemas.openxmlformats.org/markup-compatibility/2006" xmlns:mv="urn:schemas-microsoft-com:mac:vml" xmlns:p="http://schemas.openxmlformats.org/presentationml/2006/main" mc:Ignorable="mv" mc:PreserveAttributes="mv:*">
+<p:sld xmlns:a="http://schemas.openxmlformats.org/drawingml/2006/main" xmlns:r="http://schemas.openxmlformats.org/officeDocument/2006/relationships" xmlns:p="http://schemas.openxmlformats.org/presentationml/2006/main">
   <p:cSld>
     <p:spTree>
       <p:nvGrpSpPr>
@@ -5544,18 +5890,18 @@
     </p:spTree>
     <p:extLst>
       <p:ext uri="{BB962C8B-B14F-4D97-AF65-F5344CB8AC3E}">
-        <p14:creationId xmlns:p14="http://schemas.microsoft.com/office/powerpoint/2010/main" xmlns:p="http://schemas.openxmlformats.org/presentationml/2006/main" xmlns:r="http://schemas.openxmlformats.org/officeDocument/2006/relationships" xmlns:a="http://schemas.openxmlformats.org/drawingml/2006/main" xmlns="" val="3539376714"/>
+        <p14:creationId xmlns:p14="http://schemas.microsoft.com/office/powerpoint/2010/main" val="3539376714"/>
       </p:ext>
     </p:extLst>
   </p:cSld>
   <p:clrMapOvr>
     <a:masterClrMapping/>
   </p:clrMapOvr>
-  <p:transition/>
+  <p:transition xmlns:p14="http://schemas.microsoft.com/office/powerpoint/2010/main"/>
   <p:timing>
     <p:tnLst>
       <p:par>
-        <p:cTn id="1" dur="indefinite" restart="never" nodeType="tmRoot"/>
+        <p:cTn xmlns:p14="http://schemas.microsoft.com/office/powerpoint/2010/main" id="1" dur="indefinite" restart="never" nodeType="tmRoot"/>
       </p:par>
     </p:tnLst>
   </p:timing>
@@ -5563,7 +5909,7 @@
 </file>
 
 <file path=ppt/slides/slide4.xml><?xml version="1.0" encoding="utf-8"?>
-<p:sld xmlns:a="http://schemas.openxmlformats.org/drawingml/2006/main" xmlns:r="http://schemas.openxmlformats.org/officeDocument/2006/relationships" xmlns:mc="http://schemas.openxmlformats.org/markup-compatibility/2006" xmlns:mv="urn:schemas-microsoft-com:mac:vml" xmlns:p="http://schemas.openxmlformats.org/presentationml/2006/main" mc:Ignorable="mv" mc:PreserveAttributes="mv:*">
+<p:sld xmlns:a="http://schemas.openxmlformats.org/drawingml/2006/main" xmlns:r="http://schemas.openxmlformats.org/officeDocument/2006/relationships" xmlns:p="http://schemas.openxmlformats.org/presentationml/2006/main">
   <p:cSld>
     <p:spTree>
       <p:nvGrpSpPr>
@@ -5664,20 +6010,20 @@
     </p:spTree>
     <p:extLst>
       <p:ext uri="{BB962C8B-B14F-4D97-AF65-F5344CB8AC3E}">
-        <p14:creationId xmlns:p14="http://schemas.microsoft.com/office/powerpoint/2010/main" xmlns:p="http://schemas.openxmlformats.org/presentationml/2006/main" xmlns:r="http://schemas.openxmlformats.org/officeDocument/2006/relationships" xmlns:a="http://schemas.openxmlformats.org/drawingml/2006/main" xmlns="" val="3700295984"/>
+        <p14:creationId xmlns:p14="http://schemas.microsoft.com/office/powerpoint/2010/main" val="3700295984"/>
       </p:ext>
     </p:extLst>
   </p:cSld>
   <p:clrMapOvr>
     <a:masterClrMapping/>
   </p:clrMapOvr>
-  <p:transition spd="med">
+  <p:transition xmlns:p14="http://schemas.microsoft.com/office/powerpoint/2010/main" spd="med">
     <p:fade/>
   </p:transition>
   <p:timing>
     <p:tnLst>
       <p:par>
-        <p:cTn id="1" dur="indefinite" restart="never" nodeType="tmRoot"/>
+        <p:cTn xmlns:p14="http://schemas.microsoft.com/office/powerpoint/2010/main" id="1" dur="indefinite" restart="never" nodeType="tmRoot"/>
       </p:par>
     </p:tnLst>
   </p:timing>
